--- a/자바 심화/자바 심화 과제/미완료 과제/20230322 자바심화 과제 남정현.pptx
+++ b/자바 심화/자바 심화 과제/미완료 과제/20230322 자바심화 과제 남정현.pptx
@@ -1,6 +1,6 @@
 
 <file path=ppt/presentation.xml><?xml version="1.0" encoding="utf-8"?>
-<p:presentation xmlns:a="http://schemas.openxmlformats.org/drawingml/2006/main" xmlns:r="http://schemas.openxmlformats.org/officeDocument/2006/relationships" xmlns:p="http://schemas.openxmlformats.org/presentationml/2006/main" autoCompressPictures="0">
+<p:presentation xmlns:r="http://schemas.openxmlformats.org/officeDocument/2006/relationships" xmlns:c="http://schemas.openxmlformats.org/drawingml/2006/chart" xmlns:a="http://schemas.openxmlformats.org/drawingml/2006/main" xmlns:dgm="http://schemas.openxmlformats.org/drawingml/2006/diagram" xmlns:dsp="http://schemas.microsoft.com/office/drawing/2008/diagram" xmlns:p="http://schemas.openxmlformats.org/presentationml/2006/main" autoCompressPictures="0">
   <p:sldMasterIdLst>
     <p:sldMasterId id="2147483648" r:id="rId1"/>
   </p:sldMasterIdLst>
@@ -17,11 +17,11 @@
     <p:sldId id="266" r:id="rId11"/>
     <p:sldId id="265" r:id="rId12"/>
     <p:sldId id="267" r:id="rId13"/>
-    <p:sldId id="268" r:id="rId14"/>
-    <p:sldId id="269" r:id="rId15"/>
-    <p:sldId id="270" r:id="rId16"/>
-    <p:sldId id="271" r:id="rId17"/>
-    <p:sldId id="272" r:id="rId18"/>
+    <p:sldId id="269" r:id="rId14"/>
+    <p:sldId id="270" r:id="rId15"/>
+    <p:sldId id="272" r:id="rId16"/>
+    <p:sldId id="268" r:id="rId17"/>
+    <p:sldId id="271" r:id="rId18"/>
     <p:sldId id="273" r:id="rId19"/>
     <p:sldId id="274" r:id="rId20"/>
     <p:sldId id="275" r:id="rId21"/>
@@ -4078,7 +4078,7 @@
 </file>
 
 <file path=ppt/slides/slide12.xml><?xml version="1.0" encoding="utf-8"?>
-<p:sld xmlns:a="http://schemas.openxmlformats.org/drawingml/2006/main" xmlns:r="http://schemas.openxmlformats.org/officeDocument/2006/relationships" xmlns:p="http://schemas.openxmlformats.org/presentationml/2006/main">
+<p:sld xmlns:r="http://schemas.openxmlformats.org/officeDocument/2006/relationships" xmlns:c="http://schemas.openxmlformats.org/drawingml/2006/chart" xmlns:a="http://schemas.openxmlformats.org/drawingml/2006/main" xmlns:dgm="http://schemas.openxmlformats.org/drawingml/2006/diagram" xmlns:dsp="http://schemas.microsoft.com/office/drawing/2008/diagram" xmlns:p="http://schemas.openxmlformats.org/presentationml/2006/main">
   <p:cSld>
     <p:spTree>
       <p:nvGrpSpPr>
@@ -4132,6 +4132,30 @@
           </a:p>
         </p:txBody>
       </p:sp>
+      <p:pic>
+        <p:nvPicPr>
+          <p:cNvPr id="6" name="그림 5"/>
+          <p:cNvPicPr>
+            <a:picLocks noChangeAspect="1"/>
+          </p:cNvPicPr>
+          <p:nvPr/>
+        </p:nvPicPr>
+        <p:blipFill rotWithShape="1">
+          <a:blip r:embed="rId2"/>
+          <a:stretch>
+            <a:fillRect/>
+          </a:stretch>
+        </p:blipFill>
+        <p:spPr>
+          <a:xfrm>
+            <a:off x="911182" y="990998"/>
+            <a:ext cx="11280817" cy="5867001"/>
+          </a:xfrm>
+          <a:prstGeom prst="rect">
+            <a:avLst/>
+          </a:prstGeom>
+        </p:spPr>
+      </p:pic>
     </p:spTree>
     <p:extLst>
       <p:ext uri="{BB962C8B-B14F-4D97-AF65-F5344CB8AC3E}">
@@ -4146,7 +4170,7 @@
 </file>
 
 <file path=ppt/slides/slide13.xml><?xml version="1.0" encoding="utf-8"?>
-<p:sld xmlns:a="http://schemas.openxmlformats.org/drawingml/2006/main" xmlns:r="http://schemas.openxmlformats.org/officeDocument/2006/relationships" xmlns:p="http://schemas.openxmlformats.org/presentationml/2006/main">
+<p:sld xmlns:r="http://schemas.openxmlformats.org/officeDocument/2006/relationships" xmlns:c="http://schemas.openxmlformats.org/drawingml/2006/chart" xmlns:a="http://schemas.openxmlformats.org/drawingml/2006/main" xmlns:dgm="http://schemas.openxmlformats.org/drawingml/2006/diagram" xmlns:dsp="http://schemas.microsoft.com/office/drawing/2008/diagram" xmlns:p="http://schemas.openxmlformats.org/presentationml/2006/main">
   <p:cSld>
     <p:spTree>
       <p:nvGrpSpPr>
@@ -4179,31 +4203,50 @@
           <a:noFill/>
         </p:spPr>
         <p:txBody>
-          <a:bodyPr wrap="square" rtlCol="0">
+          <a:bodyPr wrap="square">
             <a:spAutoFit/>
           </a:bodyPr>
           <a:lstStyle/>
           <a:p>
-            <a:r>
-              <a:rPr lang="en-US" altLang="ko-KR" dirty="0"/>
-              <a:t>#7. </a:t>
-            </a:r>
-            <a:r>
-              <a:rPr lang="ko-KR" altLang="en-US" dirty="0"/>
-              <a:t>영수증 출력 </a:t>
-            </a:r>
-            <a:r>
-              <a:rPr lang="en-US" altLang="ko-KR" dirty="0"/>
-              <a:t>(1)</a:t>
-            </a:r>
-            <a:endParaRPr lang="ko-KR" altLang="en-US" dirty="0"/>
-          </a:p>
-        </p:txBody>
-      </p:sp>
+            <a:pPr lvl="0">
+              <a:defRPr/>
+            </a:pPr>
+            <a:r>
+              <a:rPr lang="en-US" altLang="ko-KR"/>
+              <a:t>#8. 영수증 출력 (2)</a:t>
+            </a:r>
+            <a:endParaRPr lang="en-US" altLang="ko-KR"/>
+          </a:p>
+        </p:txBody>
+      </p:sp>
+      <p:pic>
+        <p:nvPicPr>
+          <p:cNvPr id="7" name="그림 6"/>
+          <p:cNvPicPr>
+            <a:picLocks noChangeAspect="1"/>
+          </p:cNvPicPr>
+          <p:nvPr/>
+        </p:nvPicPr>
+        <p:blipFill rotWithShape="1">
+          <a:blip r:embed="rId2"/>
+          <a:stretch>
+            <a:fillRect/>
+          </a:stretch>
+        </p:blipFill>
+        <p:spPr>
+          <a:xfrm>
+            <a:off x="1014903" y="876624"/>
+            <a:ext cx="8070726" cy="5981376"/>
+          </a:xfrm>
+          <a:prstGeom prst="rect">
+            <a:avLst/>
+          </a:prstGeom>
+        </p:spPr>
+      </p:pic>
     </p:spTree>
     <p:extLst>
       <p:ext uri="{BB962C8B-B14F-4D97-AF65-F5344CB8AC3E}">
-        <p14:creationId xmlns:p14="http://schemas.microsoft.com/office/powerpoint/2010/main" val="3913751155"/>
+        <p14:creationId xmlns:p14="http://schemas.microsoft.com/office/powerpoint/2010/main" val="330648972"/>
       </p:ext>
     </p:extLst>
   </p:cSld>
@@ -4214,7 +4257,7 @@
 </file>
 
 <file path=ppt/slides/slide14.xml><?xml version="1.0" encoding="utf-8"?>
-<p:sld xmlns:a="http://schemas.openxmlformats.org/drawingml/2006/main" xmlns:r="http://schemas.openxmlformats.org/officeDocument/2006/relationships" xmlns:p="http://schemas.openxmlformats.org/presentationml/2006/main">
+<p:sld xmlns:r="http://schemas.openxmlformats.org/officeDocument/2006/relationships" xmlns:c="http://schemas.openxmlformats.org/drawingml/2006/chart" xmlns:a="http://schemas.openxmlformats.org/drawingml/2006/main" xmlns:dgm="http://schemas.openxmlformats.org/drawingml/2006/diagram" xmlns:dsp="http://schemas.microsoft.com/office/drawing/2008/diagram" xmlns:p="http://schemas.openxmlformats.org/presentationml/2006/main">
   <p:cSld>
     <p:spTree>
       <p:nvGrpSpPr>
@@ -4247,23 +4290,50 @@
           <a:noFill/>
         </p:spPr>
         <p:txBody>
-          <a:bodyPr wrap="square" rtlCol="0">
+          <a:bodyPr wrap="square">
             <a:spAutoFit/>
           </a:bodyPr>
           <a:lstStyle/>
           <a:p>
-            <a:r>
-              <a:rPr lang="en-US" altLang="ko-KR" dirty="0" smtClean="0"/>
-              <a:t>#4.</a:t>
-            </a:r>
-            <a:endParaRPr lang="ko-KR" altLang="en-US" dirty="0"/>
-          </a:p>
-        </p:txBody>
-      </p:sp>
+            <a:pPr lvl="0">
+              <a:defRPr/>
+            </a:pPr>
+            <a:r>
+              <a:rPr lang="en-US" altLang="ko-KR"/>
+              <a:t>#8. 영수증 출력 (2)</a:t>
+            </a:r>
+            <a:endParaRPr lang="en-US" altLang="ko-KR"/>
+          </a:p>
+        </p:txBody>
+      </p:sp>
+      <p:pic>
+        <p:nvPicPr>
+          <p:cNvPr id="5" name="그림 4"/>
+          <p:cNvPicPr>
+            <a:picLocks noChangeAspect="1"/>
+          </p:cNvPicPr>
+          <p:nvPr/>
+        </p:nvPicPr>
+        <p:blipFill rotWithShape="1">
+          <a:blip r:embed="rId2"/>
+          <a:stretch>
+            <a:fillRect/>
+          </a:stretch>
+        </p:blipFill>
+        <p:spPr>
+          <a:xfrm>
+            <a:off x="864964" y="890442"/>
+            <a:ext cx="11327036" cy="5491246"/>
+          </a:xfrm>
+          <a:prstGeom prst="rect">
+            <a:avLst/>
+          </a:prstGeom>
+        </p:spPr>
+      </p:pic>
     </p:spTree>
     <p:extLst>
       <p:ext uri="{BB962C8B-B14F-4D97-AF65-F5344CB8AC3E}">
-        <p14:creationId xmlns:p14="http://schemas.microsoft.com/office/powerpoint/2010/main" val="330648972"/>
+        <p14:creationId xmlns:p14="http://schemas.microsoft.com/office/powerpoint/2010/main" val="3920642504"/>
       </p:ext>
     </p:extLst>
   </p:cSld>
@@ -4274,7 +4344,7 @@
 </file>
 
 <file path=ppt/slides/slide15.xml><?xml version="1.0" encoding="utf-8"?>
-<p:sld xmlns:a="http://schemas.openxmlformats.org/drawingml/2006/main" xmlns:r="http://schemas.openxmlformats.org/officeDocument/2006/relationships" xmlns:p="http://schemas.openxmlformats.org/presentationml/2006/main">
+<p:sld xmlns:r="http://schemas.openxmlformats.org/officeDocument/2006/relationships" xmlns:c="http://schemas.openxmlformats.org/drawingml/2006/chart" xmlns:a="http://schemas.openxmlformats.org/drawingml/2006/main" xmlns:dgm="http://schemas.openxmlformats.org/drawingml/2006/diagram" xmlns:dsp="http://schemas.microsoft.com/office/drawing/2008/diagram" xmlns:p="http://schemas.openxmlformats.org/presentationml/2006/main">
   <p:cSld>
     <p:spTree>
       <p:nvGrpSpPr>
@@ -4307,23 +4377,50 @@
           <a:noFill/>
         </p:spPr>
         <p:txBody>
-          <a:bodyPr wrap="square" rtlCol="0">
+          <a:bodyPr wrap="square">
             <a:spAutoFit/>
           </a:bodyPr>
           <a:lstStyle/>
           <a:p>
-            <a:r>
-              <a:rPr lang="en-US" altLang="ko-KR" dirty="0" smtClean="0"/>
-              <a:t>#4.</a:t>
-            </a:r>
-            <a:endParaRPr lang="ko-KR" altLang="en-US" dirty="0"/>
-          </a:p>
-        </p:txBody>
-      </p:sp>
+            <a:pPr lvl="0">
+              <a:defRPr/>
+            </a:pPr>
+            <a:r>
+              <a:rPr lang="en-US" altLang="ko-KR"/>
+              <a:t>#8. 영수증 출력 (2)</a:t>
+            </a:r>
+            <a:endParaRPr lang="en-US" altLang="ko-KR"/>
+          </a:p>
+        </p:txBody>
+      </p:sp>
+      <p:pic>
+        <p:nvPicPr>
+          <p:cNvPr id="5" name="그림 4"/>
+          <p:cNvPicPr>
+            <a:picLocks noChangeAspect="1"/>
+          </p:cNvPicPr>
+          <p:nvPr/>
+        </p:nvPicPr>
+        <p:blipFill rotWithShape="1">
+          <a:blip r:embed="rId2"/>
+          <a:stretch>
+            <a:fillRect/>
+          </a:stretch>
+        </p:blipFill>
+        <p:spPr>
+          <a:xfrm>
+            <a:off x="1374162" y="559746"/>
+            <a:ext cx="7921648" cy="6298254"/>
+          </a:xfrm>
+          <a:prstGeom prst="rect">
+            <a:avLst/>
+          </a:prstGeom>
+        </p:spPr>
+      </p:pic>
     </p:spTree>
     <p:extLst>
       <p:ext uri="{BB962C8B-B14F-4D97-AF65-F5344CB8AC3E}">
-        <p14:creationId xmlns:p14="http://schemas.microsoft.com/office/powerpoint/2010/main" val="3920642504"/>
+        <p14:creationId xmlns:p14="http://schemas.microsoft.com/office/powerpoint/2010/main" val="3173469103"/>
       </p:ext>
     </p:extLst>
   </p:cSld>
@@ -4334,7 +4431,7 @@
 </file>
 
 <file path=ppt/slides/slide16.xml><?xml version="1.0" encoding="utf-8"?>
-<p:sld xmlns:a="http://schemas.openxmlformats.org/drawingml/2006/main" xmlns:r="http://schemas.openxmlformats.org/officeDocument/2006/relationships" xmlns:p="http://schemas.openxmlformats.org/presentationml/2006/main">
+<p:sld xmlns:r="http://schemas.openxmlformats.org/officeDocument/2006/relationships" xmlns:c="http://schemas.openxmlformats.org/drawingml/2006/chart" xmlns:a="http://schemas.openxmlformats.org/drawingml/2006/main" xmlns:dgm="http://schemas.openxmlformats.org/drawingml/2006/diagram" xmlns:dsp="http://schemas.microsoft.com/office/drawing/2008/diagram" xmlns:p="http://schemas.openxmlformats.org/presentationml/2006/main">
   <p:cSld>
     <p:spTree>
       <p:nvGrpSpPr>
@@ -4373,17 +4470,271 @@
           <a:lstStyle/>
           <a:p>
             <a:r>
-              <a:rPr lang="en-US" altLang="ko-KR" dirty="0" smtClean="0"/>
-              <a:t>#4.</a:t>
+              <a:rPr lang="en-US" altLang="ko-KR" dirty="0"/>
+              <a:t>#7. </a:t>
+            </a:r>
+            <a:r>
+              <a:rPr lang="ko-KR" altLang="en-US" dirty="0"/>
+              <a:t>영수증 출력 </a:t>
+            </a:r>
+            <a:r>
+              <a:rPr lang="en-US" altLang="ko-KR" dirty="0"/>
+              <a:t>(1)</a:t>
             </a:r>
             <a:endParaRPr lang="ko-KR" altLang="en-US" dirty="0"/>
+          </a:p>
+        </p:txBody>
+      </p:sp>
+      <p:pic>
+        <p:nvPicPr>
+          <p:cNvPr id="5" name="그림 4"/>
+          <p:cNvPicPr>
+            <a:picLocks noChangeAspect="1"/>
+          </p:cNvPicPr>
+          <p:nvPr/>
+        </p:nvPicPr>
+        <p:blipFill rotWithShape="1">
+          <a:blip r:embed="rId2"/>
+          <a:stretch>
+            <a:fillRect/>
+          </a:stretch>
+        </p:blipFill>
+        <p:spPr>
+          <a:xfrm>
+            <a:off x="6754685" y="1310804"/>
+            <a:ext cx="4977411" cy="4236392"/>
+          </a:xfrm>
+          <a:prstGeom prst="rect">
+            <a:avLst/>
+          </a:prstGeom>
+        </p:spPr>
+      </p:pic>
+      <p:sp>
+        <p:nvSpPr>
+          <p:cNvPr id="6" name="TextBox 4"/>
+          <p:cNvSpPr txBox="1"/>
+          <p:nvPr/>
+        </p:nvSpPr>
+        <p:spPr>
+          <a:xfrm>
+            <a:off x="1495365" y="3198167"/>
+            <a:ext cx="1502229" cy="461665"/>
+          </a:xfrm>
+          <a:prstGeom prst="rect">
+            <a:avLst/>
+          </a:prstGeom>
+          <a:noFill/>
+        </p:spPr>
+        <p:txBody>
+          <a:bodyPr wrap="square">
+            <a:spAutoFit/>
+          </a:bodyPr>
+          <a:p>
+            <a:pPr marL="0" lvl="0" indent="0" algn="l" defTabSz="457200" rtl="0" eaLnBrk="1" latinLnBrk="0" hangingPunct="1">
+              <a:lnSpc>
+                <a:spcPct val="100000"/>
+              </a:lnSpc>
+              <a:spcBef>
+                <a:spcPts val="0"/>
+              </a:spcBef>
+              <a:spcAft>
+                <a:spcPts val="0"/>
+              </a:spcAft>
+              <a:buNone/>
+              <a:defRPr/>
+            </a:pPr>
+            <a:r>
+              <a:rPr xmlns:mc="http://schemas.openxmlformats.org/markup-compatibility/2006" xmlns:hp="http://schemas.haansoft.com/office/presentation/8.0" kumimoji="0" lang="ko-KR" altLang="en-US" sz="2400" b="0" i="0" u="none" strike="noStrike" kern="1200" cap="none" spc="0" normalizeH="0" baseline="0" mc:Ignorable="hp" hp:hslEmbossed="0">
+                <a:solidFill>
+                  <a:srgbClr val="000000"/>
+                </a:solidFill>
+                <a:latin typeface="Franklin Gothic Book"/>
+                <a:ea typeface="돋움"/>
+                <a:cs typeface="돋움"/>
+              </a:rPr>
+              <a:t>출력 결과</a:t>
+            </a:r>
+            <a:endParaRPr xmlns:mc="http://schemas.openxmlformats.org/markup-compatibility/2006" xmlns:hp="http://schemas.haansoft.com/office/presentation/8.0" kumimoji="0" lang="ko-KR" altLang="en-US" sz="2400" b="0" i="0" u="none" strike="noStrike" kern="1200" cap="none" spc="0" normalizeH="0" baseline="0" mc:Ignorable="hp" hp:hslEmbossed="0">
+              <a:solidFill>
+                <a:srgbClr val="000000"/>
+              </a:solidFill>
+              <a:latin typeface="Franklin Gothic Book"/>
+              <a:ea typeface="돋움"/>
+              <a:cs typeface="돋움"/>
+            </a:endParaRPr>
+          </a:p>
+        </p:txBody>
+      </p:sp>
+      <p:sp>
+        <p:nvSpPr>
+          <p:cNvPr id="7" name="오른쪽 화살표 6"/>
+          <p:cNvSpPr/>
+          <p:nvPr/>
+        </p:nvSpPr>
+        <p:spPr>
+          <a:xfrm>
+            <a:off x="3831771" y="3244334"/>
+            <a:ext cx="2264229" cy="369332"/>
+          </a:xfrm>
+          <a:prstGeom prst="rightArrow">
+            <a:avLst>
+              <a:gd name="adj1" fmla="val 50000"/>
+              <a:gd name="adj2" fmla="val 50000"/>
+            </a:avLst>
+          </a:prstGeom>
+          <a:solidFill>
+            <a:srgbClr val="8c8d86">
+              <a:alpha val="100000"/>
+            </a:srgbClr>
+          </a:solidFill>
+          <a:ln w="34925" cap="flat" cmpd="sng" algn="in">
+            <a:solidFill>
+              <a:srgbClr val="666761">
+                <a:alpha val="100000"/>
+              </a:srgbClr>
+            </a:solidFill>
+            <a:prstDash val="solid"/>
+          </a:ln>
+        </p:spPr>
+        <p:txBody>
+          <a:bodyPr anchor="ctr"/>
+          <a:p>
+            <a:pPr marL="0" lvl="0" indent="0" algn="ctr" defTabSz="457200" rtl="0" eaLnBrk="1" latinLnBrk="0" hangingPunct="1">
+              <a:lnSpc>
+                <a:spcPct val="100000"/>
+              </a:lnSpc>
+              <a:spcBef>
+                <a:spcPts val="0"/>
+              </a:spcBef>
+              <a:spcAft>
+                <a:spcPts val="0"/>
+              </a:spcAft>
+              <a:buNone/>
+              <a:defRPr/>
+            </a:pPr>
+            <a:endParaRPr xmlns:mc="http://schemas.openxmlformats.org/markup-compatibility/2006" xmlns:hp="http://schemas.haansoft.com/office/presentation/8.0" kumimoji="0" lang="ko-KR" altLang="en-US" sz="1800" b="0" i="0" u="none" strike="noStrike" kern="1200" cap="none" spc="0" normalizeH="0" baseline="0" mc:Ignorable="hp" hp:hslEmbossed="0">
+              <a:solidFill>
+                <a:srgbClr val="ffffff"/>
+              </a:solidFill>
+              <a:latin typeface="Franklin Gothic Book"/>
+              <a:ea typeface="돋움"/>
+              <a:cs typeface="돋움"/>
+            </a:endParaRPr>
+          </a:p>
+        </p:txBody>
+      </p:sp>
+      <p:sp>
+        <p:nvSpPr>
+          <p:cNvPr id="12" name="오른쪽 화살표 11"/>
+          <p:cNvSpPr/>
+          <p:nvPr/>
+        </p:nvSpPr>
+        <p:spPr>
+          <a:xfrm rot="16447405">
+            <a:off x="9131576" y="4083325"/>
+            <a:ext cx="3486979" cy="314739"/>
+          </a:xfrm>
+          <a:prstGeom prst="rightArrow">
+            <a:avLst>
+              <a:gd name="adj1" fmla="val 50000"/>
+              <a:gd name="adj2" fmla="val 50000"/>
+            </a:avLst>
+          </a:prstGeom>
+        </p:spPr>
+        <p:style>
+          <a:lnRef idx="2">
+            <a:schemeClr val="accent1">
+              <a:shade val="20000"/>
+            </a:schemeClr>
+          </a:lnRef>
+          <a:fillRef idx="1">
+            <a:schemeClr val="accent1"/>
+          </a:fillRef>
+          <a:effectRef idx="0">
+            <a:schemeClr val="accent1"/>
+          </a:effectRef>
+          <a:fontRef idx="minor">
+            <a:schemeClr val="lt1"/>
+          </a:fontRef>
+        </p:style>
+        <p:txBody>
+          <a:bodyPr anchor="ctr"/>
+          <a:p>
+            <a:pPr lvl="0" algn="ctr">
+              <a:defRPr/>
+            </a:pPr>
+            <a:endParaRPr lang="ko-KR" altLang="en-US"/>
+          </a:p>
+        </p:txBody>
+      </p:sp>
+      <p:sp>
+        <p:nvSpPr>
+          <p:cNvPr id="13" name="직사각형 12"/>
+          <p:cNvSpPr/>
+          <p:nvPr/>
+        </p:nvSpPr>
+        <p:spPr>
+          <a:xfrm>
+            <a:off x="6307206" y="6079435"/>
+            <a:ext cx="5317435" cy="430696"/>
+          </a:xfrm>
+          <a:prstGeom prst="rect">
+            <a:avLst/>
+          </a:prstGeom>
+          <a:solidFill>
+            <a:schemeClr val="lt1"/>
+          </a:solidFill>
+        </p:spPr>
+        <p:style>
+          <a:lnRef idx="2">
+            <a:schemeClr val="accent1">
+              <a:shade val="20000"/>
+            </a:schemeClr>
+          </a:lnRef>
+          <a:fillRef idx="1">
+            <a:schemeClr val="accent1"/>
+          </a:fillRef>
+          <a:effectRef idx="0">
+            <a:schemeClr val="accent1"/>
+          </a:effectRef>
+          <a:fontRef idx="minor">
+            <a:schemeClr val="lt1"/>
+          </a:fontRef>
+        </p:style>
+        <p:txBody>
+          <a:bodyPr anchor="ctr"/>
+          <a:p>
+            <a:pPr lvl="0" algn="ctr">
+              <a:defRPr/>
+            </a:pPr>
+            <a:r>
+              <a:rPr lang="ko-KR" altLang="en-US">
+                <a:solidFill>
+                  <a:schemeClr val="tx1"/>
+                </a:solidFill>
+              </a:rPr>
+              <a:t>튀어나와 있는 부분은 자동으로 밑으로 밀린다</a:t>
+            </a:r>
+            <a:r>
+              <a:rPr lang="en-US" altLang="ko-KR">
+                <a:solidFill>
+                  <a:schemeClr val="tx1"/>
+                </a:solidFill>
+              </a:rPr>
+              <a:t>.</a:t>
+            </a:r>
+            <a:endParaRPr lang="en-US" altLang="ko-KR">
+              <a:solidFill>
+                <a:schemeClr val="tx1"/>
+              </a:solidFill>
+            </a:endParaRPr>
           </a:p>
         </p:txBody>
       </p:sp>
     </p:spTree>
     <p:extLst>
       <p:ext uri="{BB962C8B-B14F-4D97-AF65-F5344CB8AC3E}">
-        <p14:creationId xmlns:p14="http://schemas.microsoft.com/office/powerpoint/2010/main" val="576687900"/>
+        <p14:creationId xmlns:p14="http://schemas.microsoft.com/office/powerpoint/2010/main" val="3913751155"/>
       </p:ext>
     </p:extLst>
   </p:cSld>
@@ -4394,7 +4745,7 @@
 </file>
 
 <file path=ppt/slides/slide17.xml><?xml version="1.0" encoding="utf-8"?>
-<p:sld xmlns:a="http://schemas.openxmlformats.org/drawingml/2006/main" xmlns:r="http://schemas.openxmlformats.org/officeDocument/2006/relationships" xmlns:p="http://schemas.openxmlformats.org/presentationml/2006/main">
+<p:sld xmlns:r="http://schemas.openxmlformats.org/officeDocument/2006/relationships" xmlns:c="http://schemas.openxmlformats.org/drawingml/2006/chart" xmlns:a="http://schemas.openxmlformats.org/drawingml/2006/main" xmlns:dgm="http://schemas.openxmlformats.org/drawingml/2006/diagram" xmlns:dsp="http://schemas.microsoft.com/office/drawing/2008/diagram" xmlns:p="http://schemas.openxmlformats.org/presentationml/2006/main">
   <p:cSld>
     <p:spTree>
       <p:nvGrpSpPr>
@@ -4427,23 +4778,207 @@
           <a:noFill/>
         </p:spPr>
         <p:txBody>
-          <a:bodyPr wrap="square" rtlCol="0">
+          <a:bodyPr wrap="square">
             <a:spAutoFit/>
           </a:bodyPr>
           <a:lstStyle/>
           <a:p>
-            <a:r>
-              <a:rPr lang="en-US" altLang="ko-KR" dirty="0" smtClean="0"/>
-              <a:t>#4.</a:t>
-            </a:r>
-            <a:endParaRPr lang="ko-KR" altLang="en-US" dirty="0"/>
+            <a:pPr lvl="0">
+              <a:defRPr/>
+            </a:pPr>
+            <a:r>
+              <a:rPr lang="en-US" altLang="ko-KR"/>
+              <a:t>#8. 영수증 출력 (2)</a:t>
+            </a:r>
+            <a:endParaRPr lang="en-US" altLang="ko-KR"/>
+          </a:p>
+        </p:txBody>
+      </p:sp>
+      <p:pic>
+        <p:nvPicPr>
+          <p:cNvPr id="5" name="그림 4"/>
+          <p:cNvPicPr>
+            <a:picLocks noChangeAspect="1"/>
+          </p:cNvPicPr>
+          <p:nvPr/>
+        </p:nvPicPr>
+        <p:blipFill rotWithShape="1">
+          <a:blip r:embed="rId2"/>
+          <a:stretch>
+            <a:fillRect/>
+          </a:stretch>
+        </p:blipFill>
+        <p:spPr>
+          <a:xfrm>
+            <a:off x="6793397" y="904875"/>
+            <a:ext cx="5239265" cy="5048250"/>
+          </a:xfrm>
+          <a:prstGeom prst="rect">
+            <a:avLst/>
+          </a:prstGeom>
+        </p:spPr>
+      </p:pic>
+      <p:sp>
+        <p:nvSpPr>
+          <p:cNvPr id="6" name="TextBox 4"/>
+          <p:cNvSpPr txBox="1"/>
+          <p:nvPr/>
+        </p:nvSpPr>
+        <p:spPr>
+          <a:xfrm>
+            <a:off x="1677583" y="3198167"/>
+            <a:ext cx="1502229" cy="461665"/>
+          </a:xfrm>
+          <a:prstGeom prst="rect">
+            <a:avLst/>
+          </a:prstGeom>
+          <a:noFill/>
+        </p:spPr>
+        <p:txBody>
+          <a:bodyPr wrap="square">
+            <a:spAutoFit/>
+          </a:bodyPr>
+          <a:p>
+            <a:pPr marL="0" lvl="0" indent="0" algn="l" defTabSz="457200" rtl="0" eaLnBrk="1" latinLnBrk="0" hangingPunct="1">
+              <a:lnSpc>
+                <a:spcPct val="100000"/>
+              </a:lnSpc>
+              <a:spcBef>
+                <a:spcPts val="0"/>
+              </a:spcBef>
+              <a:spcAft>
+                <a:spcPts val="0"/>
+              </a:spcAft>
+              <a:buNone/>
+              <a:defRPr/>
+            </a:pPr>
+            <a:r>
+              <a:rPr xmlns:mc="http://schemas.openxmlformats.org/markup-compatibility/2006" xmlns:hp="http://schemas.haansoft.com/office/presentation/8.0" kumimoji="0" lang="ko-KR" altLang="en-US" sz="2400" b="0" i="0" u="none" strike="noStrike" kern="1200" cap="none" spc="0" normalizeH="0" baseline="0" mc:Ignorable="hp" hp:hslEmbossed="0">
+                <a:solidFill>
+                  <a:srgbClr val="000000"/>
+                </a:solidFill>
+                <a:latin typeface="Franklin Gothic Book"/>
+                <a:ea typeface="돋움"/>
+                <a:cs typeface="돋움"/>
+              </a:rPr>
+              <a:t>출력 결과</a:t>
+            </a:r>
+            <a:endParaRPr xmlns:mc="http://schemas.openxmlformats.org/markup-compatibility/2006" xmlns:hp="http://schemas.haansoft.com/office/presentation/8.0" kumimoji="0" lang="ko-KR" altLang="en-US" sz="2400" b="0" i="0" u="none" strike="noStrike" kern="1200" cap="none" spc="0" normalizeH="0" baseline="0" mc:Ignorable="hp" hp:hslEmbossed="0">
+              <a:solidFill>
+                <a:srgbClr val="000000"/>
+              </a:solidFill>
+              <a:latin typeface="Franklin Gothic Book"/>
+              <a:ea typeface="돋움"/>
+              <a:cs typeface="돋움"/>
+            </a:endParaRPr>
+          </a:p>
+        </p:txBody>
+      </p:sp>
+      <p:sp>
+        <p:nvSpPr>
+          <p:cNvPr id="7" name="오른쪽 화살표 6"/>
+          <p:cNvSpPr/>
+          <p:nvPr/>
+        </p:nvSpPr>
+        <p:spPr>
+          <a:xfrm>
+            <a:off x="3831771" y="3244334"/>
+            <a:ext cx="2264229" cy="369332"/>
+          </a:xfrm>
+          <a:prstGeom prst="rightArrow">
+            <a:avLst>
+              <a:gd name="adj1" fmla="val 50000"/>
+              <a:gd name="adj2" fmla="val 50000"/>
+            </a:avLst>
+          </a:prstGeom>
+          <a:solidFill>
+            <a:srgbClr val="8c8d86">
+              <a:alpha val="100000"/>
+            </a:srgbClr>
+          </a:solidFill>
+          <a:ln w="34925" cap="flat" cmpd="sng" algn="in">
+            <a:solidFill>
+              <a:srgbClr val="666761">
+                <a:alpha val="100000"/>
+              </a:srgbClr>
+            </a:solidFill>
+            <a:prstDash val="solid"/>
+          </a:ln>
+        </p:spPr>
+        <p:txBody>
+          <a:bodyPr anchor="ctr"/>
+          <a:p>
+            <a:pPr marL="0" lvl="0" indent="0" algn="ctr" defTabSz="457200" rtl="0" eaLnBrk="1" latinLnBrk="0" hangingPunct="1">
+              <a:lnSpc>
+                <a:spcPct val="100000"/>
+              </a:lnSpc>
+              <a:spcBef>
+                <a:spcPts val="0"/>
+              </a:spcBef>
+              <a:spcAft>
+                <a:spcPts val="0"/>
+              </a:spcAft>
+              <a:buNone/>
+              <a:defRPr/>
+            </a:pPr>
+            <a:endParaRPr xmlns:mc="http://schemas.openxmlformats.org/markup-compatibility/2006" xmlns:hp="http://schemas.haansoft.com/office/presentation/8.0" kumimoji="0" lang="ko-KR" altLang="en-US" sz="1800" b="0" i="0" u="none" strike="noStrike" kern="1200" cap="none" spc="0" normalizeH="0" baseline="0" mc:Ignorable="hp" hp:hslEmbossed="0">
+              <a:solidFill>
+                <a:srgbClr val="ffffff"/>
+              </a:solidFill>
+              <a:latin typeface="Franklin Gothic Book"/>
+              <a:ea typeface="돋움"/>
+              <a:cs typeface="돋움"/>
+            </a:endParaRPr>
+          </a:p>
+        </p:txBody>
+      </p:sp>
+      <p:sp>
+        <p:nvSpPr>
+          <p:cNvPr id="8" name="직사각형 7"/>
+          <p:cNvSpPr/>
+          <p:nvPr/>
+        </p:nvSpPr>
+        <p:spPr>
+          <a:xfrm>
+            <a:off x="1503293" y="6096000"/>
+            <a:ext cx="9939131" cy="513521"/>
+          </a:xfrm>
+          <a:prstGeom prst="rect">
+            <a:avLst/>
+          </a:prstGeom>
+        </p:spPr>
+        <p:style>
+          <a:lnRef idx="2">
+            <a:schemeClr val="accent1"/>
+          </a:lnRef>
+          <a:fillRef idx="1">
+            <a:schemeClr val="lt1"/>
+          </a:fillRef>
+          <a:effectRef idx="2">
+            <a:schemeClr val="accent1"/>
+          </a:effectRef>
+          <a:fontRef idx="minor">
+            <a:schemeClr val="dk1"/>
+          </a:fontRef>
+        </p:style>
+        <p:txBody>
+          <a:bodyPr anchor="ctr"/>
+          <a:p>
+            <a:pPr lvl="0" algn="ctr">
+              <a:defRPr/>
+            </a:pPr>
+            <a:r>
+              <a:rPr lang="ko-KR" altLang="en-US"/>
+              <a:t>튀어나오는 문자들은 영수증 안에서 자동으로 밑으로 내려감</a:t>
+            </a:r>
+            <a:endParaRPr lang="ko-KR" altLang="en-US"/>
           </a:p>
         </p:txBody>
       </p:sp>
     </p:spTree>
     <p:extLst>
       <p:ext uri="{BB962C8B-B14F-4D97-AF65-F5344CB8AC3E}">
-        <p14:creationId xmlns:p14="http://schemas.microsoft.com/office/powerpoint/2010/main" val="3173469103"/>
+        <p14:creationId xmlns:p14="http://schemas.microsoft.com/office/powerpoint/2010/main" val="576687900"/>
       </p:ext>
     </p:extLst>
   </p:cSld>
@@ -5903,44 +6438,44 @@
 </file>
 
 <file path=ppt/theme/theme1.xml><?xml version="1.0" encoding="utf-8"?>
-<a:theme xmlns:a="http://schemas.openxmlformats.org/drawingml/2006/main" name="Crop">
+<a:theme xmlns:r="http://schemas.openxmlformats.org/officeDocument/2006/relationships" xmlns:c="http://schemas.openxmlformats.org/drawingml/2006/chart" xmlns:dgm="http://schemas.openxmlformats.org/drawingml/2006/diagram" xmlns:dsp="http://schemas.microsoft.com/office/drawing/2008/diagram" xmlns:a="http://schemas.openxmlformats.org/drawingml/2006/main" xmlns:pic="http://schemas.openxmlformats.org/drawingml/2006/picture" xmlns:wp="http://schemas.openxmlformats.org/drawingml/2006/wordprocessingDrawing" xmlns:xdr="http://schemas.openxmlformats.org/drawingml/2006/spreadsheetDrawing" xmlns:lc="http://schemas.openxmlformats.org/drawingml/2006/lockedCanvas" xmlns:p="http://schemas.openxmlformats.org/presentationml/2006/main" name="Crop">
   <a:themeElements>
     <a:clrScheme name="Crop">
       <a:dk1>
         <a:sysClr val="windowText" lastClr="000000"/>
       </a:dk1>
       <a:lt1>
-        <a:sysClr val="window" lastClr="FFFFFF"/>
+        <a:sysClr val="window" lastClr="ffffff"/>
       </a:lt1>
       <a:dk2>
-        <a:srgbClr val="191B0E"/>
+        <a:srgbClr val="191b0e"/>
       </a:dk2>
       <a:lt2>
-        <a:srgbClr val="EFEDE3"/>
+        <a:srgbClr val="efede3"/>
       </a:lt2>
       <a:accent1>
-        <a:srgbClr val="8C8D86"/>
+        <a:srgbClr val="8c8d86"/>
       </a:accent1>
       <a:accent2>
-        <a:srgbClr val="E6C069"/>
+        <a:srgbClr val="e6c069"/>
       </a:accent2>
       <a:accent3>
-        <a:srgbClr val="897B61"/>
+        <a:srgbClr val="897b61"/>
       </a:accent3>
       <a:accent4>
-        <a:srgbClr val="8DAB8E"/>
+        <a:srgbClr val="8dab8e"/>
       </a:accent4>
       <a:accent5>
-        <a:srgbClr val="77A2BB"/>
+        <a:srgbClr val="77a2bb"/>
       </a:accent5>
       <a:accent6>
-        <a:srgbClr val="E28394"/>
+        <a:srgbClr val="e28394"/>
       </a:accent6>
       <a:hlink>
-        <a:srgbClr val="77A2BB"/>
+        <a:srgbClr val="77a2bb"/>
       </a:hlink>
       <a:folHlink>
-        <a:srgbClr val="957A99"/>
+        <a:srgbClr val="957a99"/>
       </a:folHlink>
     </a:clrScheme>
     <a:fontScheme name="Crop">
@@ -5951,7 +6486,7 @@
         <a:font script="Jpan" typeface="メイリオ"/>
         <a:font script="Hang" typeface="돋움"/>
         <a:font script="Hans" typeface="华文楷体"/>
-        <a:font script="Hant" typeface="微軟正黑體"/>
+        <a:font script="Hant" typeface="Microsoft JhengHei"/>
         <a:font script="Arab" typeface="Tahoma"/>
         <a:font script="Hebr" typeface="Aharoni"/>
         <a:font script="Thai" typeface="LilyUPC"/>
@@ -5986,7 +6521,7 @@
         <a:font script="Jpan" typeface="メイリオ"/>
         <a:font script="Hang" typeface="돋움"/>
         <a:font script="Hans" typeface="华文楷体"/>
-        <a:font script="Hant" typeface="微軟正黑體"/>
+        <a:font script="Hant" typeface="Microsoft JhengHei"/>
         <a:font script="Arab" typeface="Tahoma"/>
         <a:font script="Hebr" typeface="Aharoni"/>
         <a:font script="Thai" typeface="LilyUPC"/>
@@ -6150,12 +6685,5 @@
       </a:bgFillStyleLst>
     </a:fmtScheme>
   </a:themeElements>
-  <a:objectDefaults/>
-  <a:extraClrSchemeLst/>
-  <a:extLst>
-    <a:ext uri="{05A4C25C-085E-4340-85A3-A5531E510DB2}">
-      <thm15:themeFamily xmlns:thm15="http://schemas.microsoft.com/office/thememl/2012/main" name="Crop" id="{EC9488ED-E761-4D60-9AC4-764D1FE2C171}" vid="{CE19780C-D67D-4C13-9DE9-A52BC3BA51B4}"/>
-    </a:ext>
-  </a:extLst>
 </a:theme>
 </file>
--- a/자바 심화/자바 심화 과제/미완료 과제/20230322 자바심화 과제 남정현.pptx
+++ b/자바 심화/자바 심화 과제/미완료 과제/20230322 자바심화 과제 남정현.pptx
@@ -1,6 +1,6 @@
 
 <file path=ppt/presentation.xml><?xml version="1.0" encoding="utf-8"?>
-<p:presentation xmlns:r="http://schemas.openxmlformats.org/officeDocument/2006/relationships" xmlns:c="http://schemas.openxmlformats.org/drawingml/2006/chart" xmlns:a="http://schemas.openxmlformats.org/drawingml/2006/main" xmlns:dgm="http://schemas.openxmlformats.org/drawingml/2006/diagram" xmlns:dsp="http://schemas.microsoft.com/office/drawing/2008/diagram" xmlns:p="http://schemas.openxmlformats.org/presentationml/2006/main" autoCompressPictures="0">
+<p:presentation xmlns:a="http://schemas.openxmlformats.org/drawingml/2006/main" xmlns:r="http://schemas.openxmlformats.org/officeDocument/2006/relationships" xmlns:p="http://schemas.openxmlformats.org/presentationml/2006/main" autoCompressPictures="0">
   <p:sldMasterIdLst>
     <p:sldMasterId id="2147483648" r:id="rId1"/>
   </p:sldMasterIdLst>
@@ -17,14 +17,19 @@
     <p:sldId id="266" r:id="rId11"/>
     <p:sldId id="265" r:id="rId12"/>
     <p:sldId id="267" r:id="rId13"/>
-    <p:sldId id="269" r:id="rId14"/>
-    <p:sldId id="270" r:id="rId15"/>
-    <p:sldId id="272" r:id="rId16"/>
-    <p:sldId id="268" r:id="rId17"/>
+    <p:sldId id="268" r:id="rId14"/>
+    <p:sldId id="269" r:id="rId15"/>
+    <p:sldId id="270" r:id="rId16"/>
+    <p:sldId id="272" r:id="rId17"/>
     <p:sldId id="271" r:id="rId18"/>
     <p:sldId id="273" r:id="rId19"/>
     <p:sldId id="274" r:id="rId20"/>
     <p:sldId id="275" r:id="rId21"/>
+    <p:sldId id="276" r:id="rId22"/>
+    <p:sldId id="277" r:id="rId23"/>
+    <p:sldId id="278" r:id="rId24"/>
+    <p:sldId id="279" r:id="rId25"/>
+    <p:sldId id="280" r:id="rId26"/>
   </p:sldIdLst>
   <p:sldSz cx="12192000" cy="6858000"/>
   <p:notesSz cx="6858000" cy="9144000"/>
@@ -123,6 +128,22 @@
       </a:defRPr>
     </a:lvl9pPr>
   </p:defaultTextStyle>
+  <p:extLst>
+    <p:ext uri="{EFAFB233-063F-42B5-8137-9DF3F51BA10A}">
+      <p15:sldGuideLst xmlns:p15="http://schemas.microsoft.com/office/powerpoint/2012/main">
+        <p15:guide id="1" orient="horz" pos="2158">
+          <p15:clr>
+            <a:srgbClr val="A4A3A4"/>
+          </p15:clr>
+        </p15:guide>
+        <p15:guide id="2" pos="3838">
+          <p15:clr>
+            <a:srgbClr val="A4A3A4"/>
+          </p15:clr>
+        </p15:guide>
+      </p15:sldGuideLst>
+    </p:ext>
+  </p:extLst>
 </p:presentation>
 </file>
 
@@ -296,7 +317,7 @@
             <a:fld id="{87DE6118-2437-4B30-8E3C-4D2BE6020583}" type="datetimeFigureOut">
               <a:rPr lang="en-US" dirty="0"/>
               <a:pPr/>
-              <a:t>3/22/2023</a:t>
+              <a:t>3/23/2023</a:t>
             </a:fld>
             <a:endParaRPr lang="en-US" dirty="0"/>
           </a:p>
@@ -622,7 +643,7 @@
           <a:p>
             <a:fld id="{87DE6118-2437-4B30-8E3C-4D2BE6020583}" type="datetimeFigureOut">
               <a:rPr lang="en-US" dirty="0"/>
-              <a:t>3/22/2023</a:t>
+              <a:t>3/23/2023</a:t>
             </a:fld>
             <a:endParaRPr lang="en-US" dirty="0"/>
           </a:p>
@@ -797,7 +818,7 @@
           <a:p>
             <a:fld id="{87DE6118-2437-4B30-8E3C-4D2BE6020583}" type="datetimeFigureOut">
               <a:rPr lang="en-US" dirty="0"/>
-              <a:t>3/22/2023</a:t>
+              <a:t>3/23/2023</a:t>
             </a:fld>
             <a:endParaRPr lang="en-US" dirty="0"/>
           </a:p>
@@ -962,7 +983,7 @@
           <a:p>
             <a:fld id="{87DE6118-2437-4B30-8E3C-4D2BE6020583}" type="datetimeFigureOut">
               <a:rPr lang="en-US" dirty="0"/>
-              <a:t>3/22/2023</a:t>
+              <a:t>3/23/2023</a:t>
             </a:fld>
             <a:endParaRPr lang="en-US" dirty="0"/>
           </a:p>
@@ -1235,7 +1256,7 @@
             <a:fld id="{87DE6118-2437-4B30-8E3C-4D2BE6020583}" type="datetimeFigureOut">
               <a:rPr lang="en-US" dirty="0"/>
               <a:pPr/>
-              <a:t>3/22/2023</a:t>
+              <a:t>3/23/2023</a:t>
             </a:fld>
             <a:endParaRPr lang="en-US" dirty="0"/>
           </a:p>
@@ -1625,7 +1646,7 @@
           <a:p>
             <a:fld id="{87DE6118-2437-4B30-8E3C-4D2BE6020583}" type="datetimeFigureOut">
               <a:rPr lang="en-US" dirty="0"/>
-              <a:t>3/22/2023</a:t>
+              <a:t>3/23/2023</a:t>
             </a:fld>
             <a:endParaRPr lang="en-US" dirty="0"/>
           </a:p>
@@ -2097,7 +2118,7 @@
           <a:p>
             <a:fld id="{87DE6118-2437-4B30-8E3C-4D2BE6020583}" type="datetimeFigureOut">
               <a:rPr lang="en-US" dirty="0"/>
-              <a:t>3/22/2023</a:t>
+              <a:t>3/23/2023</a:t>
             </a:fld>
             <a:endParaRPr lang="en-US" dirty="0"/>
           </a:p>
@@ -2210,7 +2231,7 @@
           <a:p>
             <a:fld id="{87DE6118-2437-4B30-8E3C-4D2BE6020583}" type="datetimeFigureOut">
               <a:rPr lang="en-US" dirty="0"/>
-              <a:t>3/22/2023</a:t>
+              <a:t>3/23/2023</a:t>
             </a:fld>
             <a:endParaRPr lang="en-US" dirty="0"/>
           </a:p>
@@ -2300,7 +2321,7 @@
           <a:p>
             <a:fld id="{87DE6118-2437-4B30-8E3C-4D2BE6020583}" type="datetimeFigureOut">
               <a:rPr lang="en-US" dirty="0"/>
-              <a:t>3/22/2023</a:t>
+              <a:t>3/23/2023</a:t>
             </a:fld>
             <a:endParaRPr lang="en-US" dirty="0"/>
           </a:p>
@@ -2642,7 +2663,7 @@
             <a:fld id="{87DE6118-2437-4B30-8E3C-4D2BE6020583}" type="datetimeFigureOut">
               <a:rPr lang="en-US" dirty="0"/>
               <a:pPr/>
-              <a:t>3/22/2023</a:t>
+              <a:t>3/23/2023</a:t>
             </a:fld>
             <a:endParaRPr lang="en-US" dirty="0"/>
           </a:p>
@@ -3027,7 +3048,7 @@
             <a:fld id="{87DE6118-2437-4B30-8E3C-4D2BE6020583}" type="datetimeFigureOut">
               <a:rPr lang="en-US" dirty="0"/>
               <a:pPr/>
-              <a:t>3/22/2023</a:t>
+              <a:t>3/23/2023</a:t>
             </a:fld>
             <a:endParaRPr lang="en-US" dirty="0"/>
           </a:p>
@@ -3302,7 +3323,7 @@
             <a:fld id="{87DE6118-2437-4B30-8E3C-4D2BE6020583}" type="datetimeFigureOut">
               <a:rPr lang="en-US" dirty="0"/>
               <a:pPr/>
-              <a:t>3/22/2023</a:t>
+              <a:t>3/23/2023</a:t>
             </a:fld>
             <a:endParaRPr lang="en-US" dirty="0"/>
           </a:p>
@@ -4078,7 +4099,7 @@
 </file>
 
 <file path=ppt/slides/slide12.xml><?xml version="1.0" encoding="utf-8"?>
-<p:sld xmlns:r="http://schemas.openxmlformats.org/officeDocument/2006/relationships" xmlns:c="http://schemas.openxmlformats.org/drawingml/2006/chart" xmlns:a="http://schemas.openxmlformats.org/drawingml/2006/main" xmlns:dgm="http://schemas.openxmlformats.org/drawingml/2006/diagram" xmlns:dsp="http://schemas.microsoft.com/office/drawing/2008/diagram" xmlns:p="http://schemas.openxmlformats.org/presentationml/2006/main">
+<p:sld xmlns:a="http://schemas.openxmlformats.org/drawingml/2006/main" xmlns:r="http://schemas.openxmlformats.org/officeDocument/2006/relationships" xmlns:p="http://schemas.openxmlformats.org/presentationml/2006/main">
   <p:cSld>
     <p:spTree>
       <p:nvGrpSpPr>
@@ -4102,7 +4123,7 @@
         </p:nvSpPr>
         <p:spPr>
           <a:xfrm>
-            <a:off x="903514" y="152400"/>
+            <a:off x="911182" y="174171"/>
             <a:ext cx="8610600" cy="369332"/>
           </a:xfrm>
           <a:prstGeom prst="rect">
@@ -4125,8 +4146,16 @@
               <a:t>영수증 출력 </a:t>
             </a:r>
             <a:r>
-              <a:rPr lang="en-US" altLang="ko-KR" dirty="0"/>
-              <a:t>(1)</a:t>
+              <a:rPr lang="en-US" altLang="ko-KR" dirty="0" smtClean="0"/>
+              <a:t>(</a:t>
+            </a:r>
+            <a:r>
+              <a:rPr lang="ko-KR" altLang="en-US" dirty="0" smtClean="0"/>
+              <a:t>한양김치찌개</a:t>
+            </a:r>
+            <a:r>
+              <a:rPr lang="en-US" altLang="ko-KR" dirty="0" smtClean="0"/>
+              <a:t>)</a:t>
             </a:r>
             <a:endParaRPr lang="ko-KR" altLang="en-US" dirty="0"/>
           </a:p>
@@ -4170,7 +4199,7 @@
 </file>
 
 <file path=ppt/slides/slide13.xml><?xml version="1.0" encoding="utf-8"?>
-<p:sld xmlns:r="http://schemas.openxmlformats.org/officeDocument/2006/relationships" xmlns:c="http://schemas.openxmlformats.org/drawingml/2006/chart" xmlns:a="http://schemas.openxmlformats.org/drawingml/2006/main" xmlns:dgm="http://schemas.openxmlformats.org/drawingml/2006/diagram" xmlns:dsp="http://schemas.microsoft.com/office/drawing/2008/diagram" xmlns:p="http://schemas.openxmlformats.org/presentationml/2006/main">
+<p:sld xmlns:a="http://schemas.openxmlformats.org/drawingml/2006/main" xmlns:r="http://schemas.openxmlformats.org/officeDocument/2006/relationships" xmlns:p="http://schemas.openxmlformats.org/presentationml/2006/main">
   <p:cSld>
     <p:spTree>
       <p:nvGrpSpPr>
@@ -4203,106 +4232,32 @@
           <a:noFill/>
         </p:spPr>
         <p:txBody>
-          <a:bodyPr wrap="square">
+          <a:bodyPr wrap="square" rtlCol="0">
             <a:spAutoFit/>
           </a:bodyPr>
           <a:lstStyle/>
           <a:p>
-            <a:pPr lvl="0">
-              <a:defRPr/>
-            </a:pPr>
-            <a:r>
-              <a:rPr lang="en-US" altLang="ko-KR"/>
-              <a:t>#8. 영수증 출력 (2)</a:t>
-            </a:r>
-            <a:endParaRPr lang="en-US" altLang="ko-KR"/>
-          </a:p>
-        </p:txBody>
-      </p:sp>
-      <p:pic>
-        <p:nvPicPr>
-          <p:cNvPr id="7" name="그림 6"/>
-          <p:cNvPicPr>
-            <a:picLocks noChangeAspect="1"/>
-          </p:cNvPicPr>
-          <p:nvPr/>
-        </p:nvPicPr>
-        <p:blipFill rotWithShape="1">
-          <a:blip r:embed="rId2"/>
-          <a:stretch>
-            <a:fillRect/>
-          </a:stretch>
-        </p:blipFill>
-        <p:spPr>
-          <a:xfrm>
-            <a:off x="1014903" y="876624"/>
-            <a:ext cx="8070726" cy="5981376"/>
-          </a:xfrm>
-          <a:prstGeom prst="rect">
-            <a:avLst/>
-          </a:prstGeom>
-        </p:spPr>
-      </p:pic>
-    </p:spTree>
-    <p:extLst>
-      <p:ext uri="{BB962C8B-B14F-4D97-AF65-F5344CB8AC3E}">
-        <p14:creationId xmlns:p14="http://schemas.microsoft.com/office/powerpoint/2010/main" val="330648972"/>
-      </p:ext>
-    </p:extLst>
-  </p:cSld>
-  <p:clrMapOvr>
-    <a:masterClrMapping/>
-  </p:clrMapOvr>
-</p:sld>
-</file>
-
-<file path=ppt/slides/slide14.xml><?xml version="1.0" encoding="utf-8"?>
-<p:sld xmlns:r="http://schemas.openxmlformats.org/officeDocument/2006/relationships" xmlns:c="http://schemas.openxmlformats.org/drawingml/2006/chart" xmlns:a="http://schemas.openxmlformats.org/drawingml/2006/main" xmlns:dgm="http://schemas.openxmlformats.org/drawingml/2006/diagram" xmlns:dsp="http://schemas.microsoft.com/office/drawing/2008/diagram" xmlns:p="http://schemas.openxmlformats.org/presentationml/2006/main">
-  <p:cSld>
-    <p:spTree>
-      <p:nvGrpSpPr>
-        <p:cNvPr id="1" name=""/>
-        <p:cNvGrpSpPr/>
-        <p:nvPr/>
-      </p:nvGrpSpPr>
-      <p:grpSpPr>
-        <a:xfrm>
-          <a:off x="0" y="0"/>
-          <a:ext cx="0" cy="0"/>
-          <a:chOff x="0" y="0"/>
-          <a:chExt cx="0" cy="0"/>
-        </a:xfrm>
-      </p:grpSpPr>
-      <p:sp>
-        <p:nvSpPr>
-          <p:cNvPr id="4" name="TextBox 3"/>
-          <p:cNvSpPr txBox="1"/>
-          <p:nvPr/>
-        </p:nvSpPr>
-        <p:spPr>
-          <a:xfrm>
-            <a:off x="903514" y="152400"/>
-            <a:ext cx="8610600" cy="369332"/>
-          </a:xfrm>
-          <a:prstGeom prst="rect">
-            <a:avLst/>
-          </a:prstGeom>
-          <a:noFill/>
-        </p:spPr>
-        <p:txBody>
-          <a:bodyPr wrap="square">
-            <a:spAutoFit/>
-          </a:bodyPr>
-          <a:lstStyle/>
-          <a:p>
-            <a:pPr lvl="0">
-              <a:defRPr/>
-            </a:pPr>
-            <a:r>
-              <a:rPr lang="en-US" altLang="ko-KR"/>
-              <a:t>#8. 영수증 출력 (2)</a:t>
-            </a:r>
-            <a:endParaRPr lang="en-US" altLang="ko-KR"/>
+            <a:r>
+              <a:rPr lang="en-US" altLang="ko-KR" dirty="0"/>
+              <a:t>#7. </a:t>
+            </a:r>
+            <a:r>
+              <a:rPr lang="ko-KR" altLang="en-US" dirty="0"/>
+              <a:t>영수증 출력 </a:t>
+            </a:r>
+            <a:r>
+              <a:rPr lang="en-US" altLang="ko-KR" dirty="0"/>
+              <a:t>(</a:t>
+            </a:r>
+            <a:r>
+              <a:rPr lang="ko-KR" altLang="en-US" dirty="0"/>
+              <a:t>한양김치찌개</a:t>
+            </a:r>
+            <a:r>
+              <a:rPr lang="en-US" altLang="ko-KR" dirty="0"/>
+              <a:t>)</a:t>
+            </a:r>
+            <a:endParaRPr lang="ko-KR" altLang="en-US" dirty="0"/>
           </a:p>
         </p:txBody>
       </p:sp>
@@ -4322,54 +4277,24 @@
         </p:blipFill>
         <p:spPr>
           <a:xfrm>
-            <a:off x="864964" y="890442"/>
-            <a:ext cx="11327036" cy="5491246"/>
+            <a:off x="6754685" y="1310804"/>
+            <a:ext cx="4977411" cy="4236392"/>
           </a:xfrm>
           <a:prstGeom prst="rect">
             <a:avLst/>
           </a:prstGeom>
         </p:spPr>
       </p:pic>
-    </p:spTree>
-    <p:extLst>
-      <p:ext uri="{BB962C8B-B14F-4D97-AF65-F5344CB8AC3E}">
-        <p14:creationId xmlns:p14="http://schemas.microsoft.com/office/powerpoint/2010/main" val="3920642504"/>
-      </p:ext>
-    </p:extLst>
-  </p:cSld>
-  <p:clrMapOvr>
-    <a:masterClrMapping/>
-  </p:clrMapOvr>
-</p:sld>
-</file>
-
-<file path=ppt/slides/slide15.xml><?xml version="1.0" encoding="utf-8"?>
-<p:sld xmlns:r="http://schemas.openxmlformats.org/officeDocument/2006/relationships" xmlns:c="http://schemas.openxmlformats.org/drawingml/2006/chart" xmlns:a="http://schemas.openxmlformats.org/drawingml/2006/main" xmlns:dgm="http://schemas.openxmlformats.org/drawingml/2006/diagram" xmlns:dsp="http://schemas.microsoft.com/office/drawing/2008/diagram" xmlns:p="http://schemas.openxmlformats.org/presentationml/2006/main">
-  <p:cSld>
-    <p:spTree>
-      <p:nvGrpSpPr>
-        <p:cNvPr id="1" name=""/>
-        <p:cNvGrpSpPr/>
-        <p:nvPr/>
-      </p:nvGrpSpPr>
-      <p:grpSpPr>
-        <a:xfrm>
-          <a:off x="0" y="0"/>
-          <a:ext cx="0" cy="0"/>
-          <a:chOff x="0" y="0"/>
-          <a:chExt cx="0" cy="0"/>
-        </a:xfrm>
-      </p:grpSpPr>
-      <p:sp>
-        <p:nvSpPr>
-          <p:cNvPr id="4" name="TextBox 3"/>
+      <p:sp>
+        <p:nvSpPr>
+          <p:cNvPr id="6" name="TextBox 4"/>
           <p:cNvSpPr txBox="1"/>
           <p:nvPr/>
         </p:nvSpPr>
         <p:spPr>
           <a:xfrm>
-            <a:off x="903514" y="152400"/>
-            <a:ext cx="8610600" cy="369332"/>
+            <a:off x="1495365" y="3198167"/>
+            <a:ext cx="1502229" cy="461665"/>
           </a:xfrm>
           <a:prstGeom prst="rect">
             <a:avLst/>
@@ -4381,154 +4306,6 @@
             <a:spAutoFit/>
           </a:bodyPr>
           <a:lstStyle/>
-          <a:p>
-            <a:pPr lvl="0">
-              <a:defRPr/>
-            </a:pPr>
-            <a:r>
-              <a:rPr lang="en-US" altLang="ko-KR"/>
-              <a:t>#8. 영수증 출력 (2)</a:t>
-            </a:r>
-            <a:endParaRPr lang="en-US" altLang="ko-KR"/>
-          </a:p>
-        </p:txBody>
-      </p:sp>
-      <p:pic>
-        <p:nvPicPr>
-          <p:cNvPr id="5" name="그림 4"/>
-          <p:cNvPicPr>
-            <a:picLocks noChangeAspect="1"/>
-          </p:cNvPicPr>
-          <p:nvPr/>
-        </p:nvPicPr>
-        <p:blipFill rotWithShape="1">
-          <a:blip r:embed="rId2"/>
-          <a:stretch>
-            <a:fillRect/>
-          </a:stretch>
-        </p:blipFill>
-        <p:spPr>
-          <a:xfrm>
-            <a:off x="1374162" y="559746"/>
-            <a:ext cx="7921648" cy="6298254"/>
-          </a:xfrm>
-          <a:prstGeom prst="rect">
-            <a:avLst/>
-          </a:prstGeom>
-        </p:spPr>
-      </p:pic>
-    </p:spTree>
-    <p:extLst>
-      <p:ext uri="{BB962C8B-B14F-4D97-AF65-F5344CB8AC3E}">
-        <p14:creationId xmlns:p14="http://schemas.microsoft.com/office/powerpoint/2010/main" val="3173469103"/>
-      </p:ext>
-    </p:extLst>
-  </p:cSld>
-  <p:clrMapOvr>
-    <a:masterClrMapping/>
-  </p:clrMapOvr>
-</p:sld>
-</file>
-
-<file path=ppt/slides/slide16.xml><?xml version="1.0" encoding="utf-8"?>
-<p:sld xmlns:r="http://schemas.openxmlformats.org/officeDocument/2006/relationships" xmlns:c="http://schemas.openxmlformats.org/drawingml/2006/chart" xmlns:a="http://schemas.openxmlformats.org/drawingml/2006/main" xmlns:dgm="http://schemas.openxmlformats.org/drawingml/2006/diagram" xmlns:dsp="http://schemas.microsoft.com/office/drawing/2008/diagram" xmlns:p="http://schemas.openxmlformats.org/presentationml/2006/main">
-  <p:cSld>
-    <p:spTree>
-      <p:nvGrpSpPr>
-        <p:cNvPr id="1" name=""/>
-        <p:cNvGrpSpPr/>
-        <p:nvPr/>
-      </p:nvGrpSpPr>
-      <p:grpSpPr>
-        <a:xfrm>
-          <a:off x="0" y="0"/>
-          <a:ext cx="0" cy="0"/>
-          <a:chOff x="0" y="0"/>
-          <a:chExt cx="0" cy="0"/>
-        </a:xfrm>
-      </p:grpSpPr>
-      <p:sp>
-        <p:nvSpPr>
-          <p:cNvPr id="4" name="TextBox 3"/>
-          <p:cNvSpPr txBox="1"/>
-          <p:nvPr/>
-        </p:nvSpPr>
-        <p:spPr>
-          <a:xfrm>
-            <a:off x="903514" y="152400"/>
-            <a:ext cx="8610600" cy="369332"/>
-          </a:xfrm>
-          <a:prstGeom prst="rect">
-            <a:avLst/>
-          </a:prstGeom>
-          <a:noFill/>
-        </p:spPr>
-        <p:txBody>
-          <a:bodyPr wrap="square" rtlCol="0">
-            <a:spAutoFit/>
-          </a:bodyPr>
-          <a:lstStyle/>
-          <a:p>
-            <a:r>
-              <a:rPr lang="en-US" altLang="ko-KR" dirty="0"/>
-              <a:t>#7. </a:t>
-            </a:r>
-            <a:r>
-              <a:rPr lang="ko-KR" altLang="en-US" dirty="0"/>
-              <a:t>영수증 출력 </a:t>
-            </a:r>
-            <a:r>
-              <a:rPr lang="en-US" altLang="ko-KR" dirty="0"/>
-              <a:t>(1)</a:t>
-            </a:r>
-            <a:endParaRPr lang="ko-KR" altLang="en-US" dirty="0"/>
-          </a:p>
-        </p:txBody>
-      </p:sp>
-      <p:pic>
-        <p:nvPicPr>
-          <p:cNvPr id="5" name="그림 4"/>
-          <p:cNvPicPr>
-            <a:picLocks noChangeAspect="1"/>
-          </p:cNvPicPr>
-          <p:nvPr/>
-        </p:nvPicPr>
-        <p:blipFill rotWithShape="1">
-          <a:blip r:embed="rId2"/>
-          <a:stretch>
-            <a:fillRect/>
-          </a:stretch>
-        </p:blipFill>
-        <p:spPr>
-          <a:xfrm>
-            <a:off x="6754685" y="1310804"/>
-            <a:ext cx="4977411" cy="4236392"/>
-          </a:xfrm>
-          <a:prstGeom prst="rect">
-            <a:avLst/>
-          </a:prstGeom>
-        </p:spPr>
-      </p:pic>
-      <p:sp>
-        <p:nvSpPr>
-          <p:cNvPr id="6" name="TextBox 4"/>
-          <p:cNvSpPr txBox="1"/>
-          <p:nvPr/>
-        </p:nvSpPr>
-        <p:spPr>
-          <a:xfrm>
-            <a:off x="1495365" y="3198167"/>
-            <a:ext cx="1502229" cy="461665"/>
-          </a:xfrm>
-          <a:prstGeom prst="rect">
-            <a:avLst/>
-          </a:prstGeom>
-          <a:noFill/>
-        </p:spPr>
-        <p:txBody>
-          <a:bodyPr wrap="square">
-            <a:spAutoFit/>
-          </a:bodyPr>
           <a:p>
             <a:pPr marL="0" lvl="0" indent="0" algn="l" defTabSz="457200" rtl="0" eaLnBrk="1" latinLnBrk="0" hangingPunct="1">
               <a:lnSpc>
@@ -4544,7 +4321,7 @@
               <a:defRPr/>
             </a:pPr>
             <a:r>
-              <a:rPr xmlns:mc="http://schemas.openxmlformats.org/markup-compatibility/2006" xmlns:hp="http://schemas.haansoft.com/office/presentation/8.0" kumimoji="0" lang="ko-KR" altLang="en-US" sz="2400" b="0" i="0" u="none" strike="noStrike" kern="1200" cap="none" spc="0" normalizeH="0" baseline="0" mc:Ignorable="hp" hp:hslEmbossed="0">
+              <a:rPr kumimoji="0" lang="ko-KR" altLang="en-US" sz="2400" b="0" i="0" u="none" strike="noStrike" kern="1200" cap="none" spc="0" normalizeH="0" baseline="0">
                 <a:solidFill>
                   <a:srgbClr val="000000"/>
                 </a:solidFill>
@@ -4554,14 +4331,6 @@
               </a:rPr>
               <a:t>출력 결과</a:t>
             </a:r>
-            <a:endParaRPr xmlns:mc="http://schemas.openxmlformats.org/markup-compatibility/2006" xmlns:hp="http://schemas.haansoft.com/office/presentation/8.0" kumimoji="0" lang="ko-KR" altLang="en-US" sz="2400" b="0" i="0" u="none" strike="noStrike" kern="1200" cap="none" spc="0" normalizeH="0" baseline="0" mc:Ignorable="hp" hp:hslEmbossed="0">
-              <a:solidFill>
-                <a:srgbClr val="000000"/>
-              </a:solidFill>
-              <a:latin typeface="Franklin Gothic Book"/>
-              <a:ea typeface="돋움"/>
-              <a:cs typeface="돋움"/>
-            </a:endParaRPr>
           </a:p>
         </p:txBody>
       </p:sp>
@@ -4583,7 +4352,7 @@
             </a:avLst>
           </a:prstGeom>
           <a:solidFill>
-            <a:srgbClr val="8c8d86">
+            <a:srgbClr val="8C8D86">
               <a:alpha val="100000"/>
             </a:srgbClr>
           </a:solidFill>
@@ -4598,6 +4367,7 @@
         </p:spPr>
         <p:txBody>
           <a:bodyPr anchor="ctr"/>
+          <a:lstStyle/>
           <a:p>
             <a:pPr marL="0" lvl="0" indent="0" algn="ctr" defTabSz="457200" rtl="0" eaLnBrk="1" latinLnBrk="0" hangingPunct="1">
               <a:lnSpc>
@@ -4612,9 +4382,9 @@
               <a:buNone/>
               <a:defRPr/>
             </a:pPr>
-            <a:endParaRPr xmlns:mc="http://schemas.openxmlformats.org/markup-compatibility/2006" xmlns:hp="http://schemas.haansoft.com/office/presentation/8.0" kumimoji="0" lang="ko-KR" altLang="en-US" sz="1800" b="0" i="0" u="none" strike="noStrike" kern="1200" cap="none" spc="0" normalizeH="0" baseline="0" mc:Ignorable="hp" hp:hslEmbossed="0">
+            <a:endParaRPr kumimoji="0" lang="ko-KR" altLang="en-US" sz="1800" b="0" i="0" u="none" strike="noStrike" kern="1200" cap="none" spc="0" normalizeH="0" baseline="0">
               <a:solidFill>
-                <a:srgbClr val="ffffff"/>
+                <a:srgbClr val="FFFFFF"/>
               </a:solidFill>
               <a:latin typeface="Franklin Gothic Book"/>
               <a:ea typeface="돋움"/>
@@ -4659,6 +4429,7 @@
         </p:style>
         <p:txBody>
           <a:bodyPr anchor="ctr"/>
+          <a:lstStyle/>
           <a:p>
             <a:pPr lvl="0" algn="ctr">
               <a:defRPr/>
@@ -4703,31 +4474,43 @@
         </p:style>
         <p:txBody>
           <a:bodyPr anchor="ctr"/>
+          <a:lstStyle/>
           <a:p>
             <a:pPr lvl="0" algn="ctr">
               <a:defRPr/>
             </a:pPr>
             <a:r>
-              <a:rPr lang="ko-KR" altLang="en-US">
+              <a:rPr lang="ko-KR" altLang="en-US" dirty="0">
                 <a:solidFill>
                   <a:schemeClr val="tx1"/>
                 </a:solidFill>
               </a:rPr>
-              <a:t>튀어나와 있는 부분은 자동으로 밑으로 밀린다</a:t>
-            </a:r>
-            <a:r>
-              <a:rPr lang="en-US" altLang="ko-KR">
+              <a:t>튀어나와 있는 부분은 </a:t>
+            </a:r>
+            <a:r>
+              <a:rPr lang="ko-KR" altLang="en-US" dirty="0" smtClean="0">
+                <a:solidFill>
+                  <a:schemeClr val="tx1"/>
+                </a:solidFill>
+              </a:rPr>
+              <a:t>밑으로 </a:t>
+            </a:r>
+            <a:r>
+              <a:rPr lang="ko-KR" altLang="en-US" dirty="0">
+                <a:solidFill>
+                  <a:schemeClr val="tx1"/>
+                </a:solidFill>
+              </a:rPr>
+              <a:t>밀린다</a:t>
+            </a:r>
+            <a:r>
+              <a:rPr lang="en-US" altLang="ko-KR" dirty="0">
                 <a:solidFill>
                   <a:schemeClr val="tx1"/>
                 </a:solidFill>
               </a:rPr>
               <a:t>.</a:t>
             </a:r>
-            <a:endParaRPr lang="en-US" altLang="ko-KR">
-              <a:solidFill>
-                <a:schemeClr val="tx1"/>
-              </a:solidFill>
-            </a:endParaRPr>
           </a:p>
         </p:txBody>
       </p:sp>
@@ -4744,8 +4527,8 @@
 </p:sld>
 </file>
 
-<file path=ppt/slides/slide17.xml><?xml version="1.0" encoding="utf-8"?>
-<p:sld xmlns:r="http://schemas.openxmlformats.org/officeDocument/2006/relationships" xmlns:c="http://schemas.openxmlformats.org/drawingml/2006/chart" xmlns:a="http://schemas.openxmlformats.org/drawingml/2006/main" xmlns:dgm="http://schemas.openxmlformats.org/drawingml/2006/diagram" xmlns:dsp="http://schemas.microsoft.com/office/drawing/2008/diagram" xmlns:p="http://schemas.openxmlformats.org/presentationml/2006/main">
+<file path=ppt/slides/slide14.xml><?xml version="1.0" encoding="utf-8"?>
+<p:sld xmlns:a="http://schemas.openxmlformats.org/drawingml/2006/main" xmlns:r="http://schemas.openxmlformats.org/officeDocument/2006/relationships" xmlns:p="http://schemas.openxmlformats.org/presentationml/2006/main">
   <p:cSld>
     <p:spTree>
       <p:nvGrpSpPr>
@@ -4783,14 +4566,127 @@
           </a:bodyPr>
           <a:lstStyle/>
           <a:p>
-            <a:pPr lvl="0">
-              <a:defRPr/>
-            </a:pPr>
-            <a:r>
-              <a:rPr lang="en-US" altLang="ko-KR"/>
-              <a:t>#8. 영수증 출력 (2)</a:t>
-            </a:r>
-            <a:endParaRPr lang="en-US" altLang="ko-KR"/>
+            <a:r>
+              <a:rPr lang="en-US" altLang="ko-KR" dirty="0"/>
+              <a:t>#8. </a:t>
+            </a:r>
+            <a:r>
+              <a:rPr lang="ko-KR" altLang="en-US" dirty="0"/>
+              <a:t>영수증 출력 </a:t>
+            </a:r>
+            <a:r>
+              <a:rPr lang="en-US" altLang="ko-KR" dirty="0"/>
+              <a:t>(</a:t>
+            </a:r>
+            <a:r>
+              <a:rPr lang="ko-KR" altLang="en-US" dirty="0" err="1"/>
+              <a:t>다이소</a:t>
+            </a:r>
+            <a:r>
+              <a:rPr lang="en-US" altLang="ko-KR" dirty="0"/>
+              <a:t>)</a:t>
+            </a:r>
+            <a:endParaRPr lang="ko-KR" altLang="en-US" dirty="0"/>
+          </a:p>
+        </p:txBody>
+      </p:sp>
+      <p:pic>
+        <p:nvPicPr>
+          <p:cNvPr id="7" name="그림 6"/>
+          <p:cNvPicPr>
+            <a:picLocks noChangeAspect="1"/>
+          </p:cNvPicPr>
+          <p:nvPr/>
+        </p:nvPicPr>
+        <p:blipFill rotWithShape="1">
+          <a:blip r:embed="rId2"/>
+          <a:stretch>
+            <a:fillRect/>
+          </a:stretch>
+        </p:blipFill>
+        <p:spPr>
+          <a:xfrm>
+            <a:off x="1014903" y="876624"/>
+            <a:ext cx="8070726" cy="5981376"/>
+          </a:xfrm>
+          <a:prstGeom prst="rect">
+            <a:avLst/>
+          </a:prstGeom>
+        </p:spPr>
+      </p:pic>
+    </p:spTree>
+    <p:extLst>
+      <p:ext uri="{BB962C8B-B14F-4D97-AF65-F5344CB8AC3E}">
+        <p14:creationId xmlns:p14="http://schemas.microsoft.com/office/powerpoint/2010/main" val="330648972"/>
+      </p:ext>
+    </p:extLst>
+  </p:cSld>
+  <p:clrMapOvr>
+    <a:masterClrMapping/>
+  </p:clrMapOvr>
+</p:sld>
+</file>
+
+<file path=ppt/slides/slide15.xml><?xml version="1.0" encoding="utf-8"?>
+<p:sld xmlns:a="http://schemas.openxmlformats.org/drawingml/2006/main" xmlns:r="http://schemas.openxmlformats.org/officeDocument/2006/relationships" xmlns:p="http://schemas.openxmlformats.org/presentationml/2006/main">
+  <p:cSld>
+    <p:spTree>
+      <p:nvGrpSpPr>
+        <p:cNvPr id="1" name=""/>
+        <p:cNvGrpSpPr/>
+        <p:nvPr/>
+      </p:nvGrpSpPr>
+      <p:grpSpPr>
+        <a:xfrm>
+          <a:off x="0" y="0"/>
+          <a:ext cx="0" cy="0"/>
+          <a:chOff x="0" y="0"/>
+          <a:chExt cx="0" cy="0"/>
+        </a:xfrm>
+      </p:grpSpPr>
+      <p:sp>
+        <p:nvSpPr>
+          <p:cNvPr id="4" name="TextBox 3"/>
+          <p:cNvSpPr txBox="1"/>
+          <p:nvPr/>
+        </p:nvSpPr>
+        <p:spPr>
+          <a:xfrm>
+            <a:off x="903514" y="152400"/>
+            <a:ext cx="8610600" cy="369332"/>
+          </a:xfrm>
+          <a:prstGeom prst="rect">
+            <a:avLst/>
+          </a:prstGeom>
+          <a:noFill/>
+        </p:spPr>
+        <p:txBody>
+          <a:bodyPr wrap="square">
+            <a:spAutoFit/>
+          </a:bodyPr>
+          <a:lstStyle/>
+          <a:p>
+            <a:r>
+              <a:rPr lang="en-US" altLang="ko-KR" dirty="0"/>
+              <a:t>#8. </a:t>
+            </a:r>
+            <a:r>
+              <a:rPr lang="ko-KR" altLang="en-US" dirty="0"/>
+              <a:t>영수증 출력 </a:t>
+            </a:r>
+            <a:r>
+              <a:rPr lang="en-US" altLang="ko-KR" dirty="0"/>
+              <a:t>(</a:t>
+            </a:r>
+            <a:r>
+              <a:rPr lang="ko-KR" altLang="en-US" dirty="0" err="1"/>
+              <a:t>다이소</a:t>
+            </a:r>
+            <a:r>
+              <a:rPr lang="en-US" altLang="ko-KR" dirty="0"/>
+              <a:t>)</a:t>
+            </a:r>
+            <a:endParaRPr lang="ko-KR" altLang="en-US" dirty="0"/>
           </a:p>
         </p:txBody>
       </p:sp>
@@ -4810,6 +4706,206 @@
         </p:blipFill>
         <p:spPr>
           <a:xfrm>
+            <a:off x="864964" y="890442"/>
+            <a:ext cx="11327036" cy="5491246"/>
+          </a:xfrm>
+          <a:prstGeom prst="rect">
+            <a:avLst/>
+          </a:prstGeom>
+        </p:spPr>
+      </p:pic>
+    </p:spTree>
+    <p:extLst>
+      <p:ext uri="{BB962C8B-B14F-4D97-AF65-F5344CB8AC3E}">
+        <p14:creationId xmlns:p14="http://schemas.microsoft.com/office/powerpoint/2010/main" val="3920642504"/>
+      </p:ext>
+    </p:extLst>
+  </p:cSld>
+  <p:clrMapOvr>
+    <a:masterClrMapping/>
+  </p:clrMapOvr>
+</p:sld>
+</file>
+
+<file path=ppt/slides/slide16.xml><?xml version="1.0" encoding="utf-8"?>
+<p:sld xmlns:a="http://schemas.openxmlformats.org/drawingml/2006/main" xmlns:r="http://schemas.openxmlformats.org/officeDocument/2006/relationships" xmlns:p="http://schemas.openxmlformats.org/presentationml/2006/main">
+  <p:cSld>
+    <p:spTree>
+      <p:nvGrpSpPr>
+        <p:cNvPr id="1" name=""/>
+        <p:cNvGrpSpPr/>
+        <p:nvPr/>
+      </p:nvGrpSpPr>
+      <p:grpSpPr>
+        <a:xfrm>
+          <a:off x="0" y="0"/>
+          <a:ext cx="0" cy="0"/>
+          <a:chOff x="0" y="0"/>
+          <a:chExt cx="0" cy="0"/>
+        </a:xfrm>
+      </p:grpSpPr>
+      <p:sp>
+        <p:nvSpPr>
+          <p:cNvPr id="4" name="TextBox 3"/>
+          <p:cNvSpPr txBox="1"/>
+          <p:nvPr/>
+        </p:nvSpPr>
+        <p:spPr>
+          <a:xfrm>
+            <a:off x="903514" y="152400"/>
+            <a:ext cx="8610600" cy="369332"/>
+          </a:xfrm>
+          <a:prstGeom prst="rect">
+            <a:avLst/>
+          </a:prstGeom>
+          <a:noFill/>
+        </p:spPr>
+        <p:txBody>
+          <a:bodyPr wrap="square">
+            <a:spAutoFit/>
+          </a:bodyPr>
+          <a:lstStyle/>
+          <a:p>
+            <a:r>
+              <a:rPr lang="en-US" altLang="ko-KR" dirty="0"/>
+              <a:t>#8. </a:t>
+            </a:r>
+            <a:r>
+              <a:rPr lang="ko-KR" altLang="en-US" dirty="0"/>
+              <a:t>영수증 출력 </a:t>
+            </a:r>
+            <a:r>
+              <a:rPr lang="en-US" altLang="ko-KR" dirty="0"/>
+              <a:t>(</a:t>
+            </a:r>
+            <a:r>
+              <a:rPr lang="ko-KR" altLang="en-US" dirty="0" err="1"/>
+              <a:t>다이소</a:t>
+            </a:r>
+            <a:r>
+              <a:rPr lang="en-US" altLang="ko-KR" dirty="0"/>
+              <a:t>)</a:t>
+            </a:r>
+            <a:endParaRPr lang="ko-KR" altLang="en-US" dirty="0"/>
+          </a:p>
+        </p:txBody>
+      </p:sp>
+      <p:pic>
+        <p:nvPicPr>
+          <p:cNvPr id="2" name="그림 1"/>
+          <p:cNvPicPr>
+            <a:picLocks noChangeAspect="1"/>
+          </p:cNvPicPr>
+          <p:nvPr/>
+        </p:nvPicPr>
+        <p:blipFill>
+          <a:blip r:embed="rId2"/>
+          <a:stretch>
+            <a:fillRect/>
+          </a:stretch>
+        </p:blipFill>
+        <p:spPr>
+          <a:xfrm>
+            <a:off x="903514" y="521732"/>
+            <a:ext cx="9677400" cy="6336268"/>
+          </a:xfrm>
+          <a:prstGeom prst="rect">
+            <a:avLst/>
+          </a:prstGeom>
+        </p:spPr>
+      </p:pic>
+    </p:spTree>
+    <p:extLst>
+      <p:ext uri="{BB962C8B-B14F-4D97-AF65-F5344CB8AC3E}">
+        <p14:creationId xmlns:p14="http://schemas.microsoft.com/office/powerpoint/2010/main" val="3173469103"/>
+      </p:ext>
+    </p:extLst>
+  </p:cSld>
+  <p:clrMapOvr>
+    <a:masterClrMapping/>
+  </p:clrMapOvr>
+</p:sld>
+</file>
+
+<file path=ppt/slides/slide17.xml><?xml version="1.0" encoding="utf-8"?>
+<p:sld xmlns:a="http://schemas.openxmlformats.org/drawingml/2006/main" xmlns:r="http://schemas.openxmlformats.org/officeDocument/2006/relationships" xmlns:p="http://schemas.openxmlformats.org/presentationml/2006/main">
+  <p:cSld>
+    <p:spTree>
+      <p:nvGrpSpPr>
+        <p:cNvPr id="1" name=""/>
+        <p:cNvGrpSpPr/>
+        <p:nvPr/>
+      </p:nvGrpSpPr>
+      <p:grpSpPr>
+        <a:xfrm>
+          <a:off x="0" y="0"/>
+          <a:ext cx="0" cy="0"/>
+          <a:chOff x="0" y="0"/>
+          <a:chExt cx="0" cy="0"/>
+        </a:xfrm>
+      </p:grpSpPr>
+      <p:sp>
+        <p:nvSpPr>
+          <p:cNvPr id="4" name="TextBox 3"/>
+          <p:cNvSpPr txBox="1"/>
+          <p:nvPr/>
+        </p:nvSpPr>
+        <p:spPr>
+          <a:xfrm>
+            <a:off x="903514" y="152400"/>
+            <a:ext cx="8610600" cy="369332"/>
+          </a:xfrm>
+          <a:prstGeom prst="rect">
+            <a:avLst/>
+          </a:prstGeom>
+          <a:noFill/>
+        </p:spPr>
+        <p:txBody>
+          <a:bodyPr wrap="square">
+            <a:spAutoFit/>
+          </a:bodyPr>
+          <a:lstStyle/>
+          <a:p>
+            <a:r>
+              <a:rPr lang="en-US" altLang="ko-KR" dirty="0"/>
+              <a:t>#8. </a:t>
+            </a:r>
+            <a:r>
+              <a:rPr lang="ko-KR" altLang="en-US" dirty="0"/>
+              <a:t>영수증 출력 </a:t>
+            </a:r>
+            <a:r>
+              <a:rPr lang="en-US" altLang="ko-KR" dirty="0"/>
+              <a:t>(</a:t>
+            </a:r>
+            <a:r>
+              <a:rPr lang="ko-KR" altLang="en-US" dirty="0" err="1"/>
+              <a:t>다이소</a:t>
+            </a:r>
+            <a:r>
+              <a:rPr lang="en-US" altLang="ko-KR" dirty="0"/>
+              <a:t>)</a:t>
+            </a:r>
+            <a:endParaRPr lang="ko-KR" altLang="en-US" dirty="0"/>
+          </a:p>
+        </p:txBody>
+      </p:sp>
+      <p:pic>
+        <p:nvPicPr>
+          <p:cNvPr id="5" name="그림 4"/>
+          <p:cNvPicPr>
+            <a:picLocks noChangeAspect="1"/>
+          </p:cNvPicPr>
+          <p:nvPr/>
+        </p:nvPicPr>
+        <p:blipFill rotWithShape="1">
+          <a:blip r:embed="rId2"/>
+          <a:stretch>
+            <a:fillRect/>
+          </a:stretch>
+        </p:blipFill>
+        <p:spPr>
+          <a:xfrm>
             <a:off x="6793397" y="904875"/>
             <a:ext cx="5239265" cy="5048250"/>
           </a:xfrm>
@@ -4838,6 +4934,7 @@
           <a:bodyPr wrap="square">
             <a:spAutoFit/>
           </a:bodyPr>
+          <a:lstStyle/>
           <a:p>
             <a:pPr marL="0" lvl="0" indent="0" algn="l" defTabSz="457200" rtl="0" eaLnBrk="1" latinLnBrk="0" hangingPunct="1">
               <a:lnSpc>
@@ -4853,7 +4950,7 @@
               <a:defRPr/>
             </a:pPr>
             <a:r>
-              <a:rPr xmlns:mc="http://schemas.openxmlformats.org/markup-compatibility/2006" xmlns:hp="http://schemas.haansoft.com/office/presentation/8.0" kumimoji="0" lang="ko-KR" altLang="en-US" sz="2400" b="0" i="0" u="none" strike="noStrike" kern="1200" cap="none" spc="0" normalizeH="0" baseline="0" mc:Ignorable="hp" hp:hslEmbossed="0">
+              <a:rPr kumimoji="0" lang="ko-KR" altLang="en-US" sz="2400" b="0" i="0" u="none" strike="noStrike" kern="1200" cap="none" spc="0" normalizeH="0" baseline="0">
                 <a:solidFill>
                   <a:srgbClr val="000000"/>
                 </a:solidFill>
@@ -4863,14 +4960,6 @@
               </a:rPr>
               <a:t>출력 결과</a:t>
             </a:r>
-            <a:endParaRPr xmlns:mc="http://schemas.openxmlformats.org/markup-compatibility/2006" xmlns:hp="http://schemas.haansoft.com/office/presentation/8.0" kumimoji="0" lang="ko-KR" altLang="en-US" sz="2400" b="0" i="0" u="none" strike="noStrike" kern="1200" cap="none" spc="0" normalizeH="0" baseline="0" mc:Ignorable="hp" hp:hslEmbossed="0">
-              <a:solidFill>
-                <a:srgbClr val="000000"/>
-              </a:solidFill>
-              <a:latin typeface="Franklin Gothic Book"/>
-              <a:ea typeface="돋움"/>
-              <a:cs typeface="돋움"/>
-            </a:endParaRPr>
           </a:p>
         </p:txBody>
       </p:sp>
@@ -4892,7 +4981,7 @@
             </a:avLst>
           </a:prstGeom>
           <a:solidFill>
-            <a:srgbClr val="8c8d86">
+            <a:srgbClr val="8C8D86">
               <a:alpha val="100000"/>
             </a:srgbClr>
           </a:solidFill>
@@ -4907,6 +4996,7 @@
         </p:spPr>
         <p:txBody>
           <a:bodyPr anchor="ctr"/>
+          <a:lstStyle/>
           <a:p>
             <a:pPr marL="0" lvl="0" indent="0" algn="ctr" defTabSz="457200" rtl="0" eaLnBrk="1" latinLnBrk="0" hangingPunct="1">
               <a:lnSpc>
@@ -4921,9 +5011,9 @@
               <a:buNone/>
               <a:defRPr/>
             </a:pPr>
-            <a:endParaRPr xmlns:mc="http://schemas.openxmlformats.org/markup-compatibility/2006" xmlns:hp="http://schemas.haansoft.com/office/presentation/8.0" kumimoji="0" lang="ko-KR" altLang="en-US" sz="1800" b="0" i="0" u="none" strike="noStrike" kern="1200" cap="none" spc="0" normalizeH="0" baseline="0" mc:Ignorable="hp" hp:hslEmbossed="0">
+            <a:endParaRPr kumimoji="0" lang="ko-KR" altLang="en-US" sz="1800" b="0" i="0" u="none" strike="noStrike" kern="1200" cap="none" spc="0" normalizeH="0" baseline="0">
               <a:solidFill>
-                <a:srgbClr val="ffffff"/>
+                <a:srgbClr val="FFFFFF"/>
               </a:solidFill>
               <a:latin typeface="Franklin Gothic Book"/>
               <a:ea typeface="돋움"/>
@@ -4963,15 +5053,31 @@
         </p:style>
         <p:txBody>
           <a:bodyPr anchor="ctr"/>
+          <a:lstStyle/>
           <a:p>
             <a:pPr lvl="0" algn="ctr">
               <a:defRPr/>
             </a:pPr>
             <a:r>
-              <a:rPr lang="ko-KR" altLang="en-US"/>
-              <a:t>튀어나오는 문자들은 영수증 안에서 자동으로 밑으로 내려감</a:t>
-            </a:r>
-            <a:endParaRPr lang="ko-KR" altLang="en-US"/>
+              <a:rPr lang="ko-KR" altLang="en-US" dirty="0" smtClean="0"/>
+              <a:t>튀어나온 </a:t>
+            </a:r>
+            <a:r>
+              <a:rPr lang="ko-KR" altLang="en-US" dirty="0"/>
+              <a:t>문자들은 </a:t>
+            </a:r>
+            <a:r>
+              <a:rPr lang="ko-KR" altLang="en-US" dirty="0" smtClean="0"/>
+              <a:t>출력된 </a:t>
+            </a:r>
+            <a:r>
+              <a:rPr lang="ko-KR" altLang="en-US" dirty="0" smtClean="0"/>
+              <a:t>영수증에서 </a:t>
+            </a:r>
+            <a:r>
+              <a:rPr lang="ko-KR" altLang="en-US" dirty="0"/>
+              <a:t>자동으로 밑으로 내려감</a:t>
+            </a:r>
           </a:p>
         </p:txBody>
       </p:sp>
@@ -5028,8 +5134,24 @@
           <a:lstStyle/>
           <a:p>
             <a:r>
-              <a:rPr lang="en-US" altLang="ko-KR" dirty="0" smtClean="0"/>
-              <a:t>#4.</a:t>
+              <a:rPr lang="en-US" altLang="ko-KR" dirty="0"/>
+              <a:t>#9. </a:t>
+            </a:r>
+            <a:r>
+              <a:rPr lang="ko-KR" altLang="en-US" dirty="0"/>
+              <a:t>영수증 출력 </a:t>
+            </a:r>
+            <a:r>
+              <a:rPr lang="en-US" altLang="ko-KR" dirty="0"/>
+              <a:t>(</a:t>
+            </a:r>
+            <a:r>
+              <a:rPr lang="ko-KR" altLang="en-US" dirty="0" err="1"/>
+              <a:t>이마트</a:t>
+            </a:r>
+            <a:r>
+              <a:rPr lang="en-US" altLang="ko-KR" dirty="0"/>
+              <a:t>)</a:t>
             </a:r>
             <a:endParaRPr lang="ko-KR" altLang="en-US" dirty="0"/>
           </a:p>
@@ -5088,8 +5210,24 @@
           <a:lstStyle/>
           <a:p>
             <a:r>
-              <a:rPr lang="en-US" altLang="ko-KR" dirty="0" smtClean="0"/>
-              <a:t>#4.</a:t>
+              <a:rPr lang="en-US" altLang="ko-KR" dirty="0"/>
+              <a:t>#9. </a:t>
+            </a:r>
+            <a:r>
+              <a:rPr lang="ko-KR" altLang="en-US" dirty="0"/>
+              <a:t>영수증 출력 </a:t>
+            </a:r>
+            <a:r>
+              <a:rPr lang="en-US" altLang="ko-KR" dirty="0"/>
+              <a:t>(</a:t>
+            </a:r>
+            <a:r>
+              <a:rPr lang="ko-KR" altLang="en-US" dirty="0" err="1"/>
+              <a:t>이마트</a:t>
+            </a:r>
+            <a:r>
+              <a:rPr lang="en-US" altLang="ko-KR" dirty="0"/>
+              <a:t>)</a:t>
             </a:r>
             <a:endParaRPr lang="ko-KR" altLang="en-US" dirty="0"/>
           </a:p>
@@ -5352,8 +5490,24 @@
           <a:lstStyle/>
           <a:p>
             <a:r>
-              <a:rPr lang="en-US" altLang="ko-KR" dirty="0" smtClean="0"/>
-              <a:t>#4.</a:t>
+              <a:rPr lang="en-US" altLang="ko-KR" dirty="0"/>
+              <a:t>#9. </a:t>
+            </a:r>
+            <a:r>
+              <a:rPr lang="ko-KR" altLang="en-US" dirty="0"/>
+              <a:t>영수증 출력 </a:t>
+            </a:r>
+            <a:r>
+              <a:rPr lang="en-US" altLang="ko-KR" dirty="0"/>
+              <a:t>(</a:t>
+            </a:r>
+            <a:r>
+              <a:rPr lang="ko-KR" altLang="en-US" dirty="0" err="1"/>
+              <a:t>이마트</a:t>
+            </a:r>
+            <a:r>
+              <a:rPr lang="en-US" altLang="ko-KR" dirty="0"/>
+              <a:t>)</a:t>
             </a:r>
             <a:endParaRPr lang="ko-KR" altLang="en-US" dirty="0"/>
           </a:p>
@@ -5363,6 +5517,386 @@
     <p:extLst>
       <p:ext uri="{BB962C8B-B14F-4D97-AF65-F5344CB8AC3E}">
         <p14:creationId xmlns:p14="http://schemas.microsoft.com/office/powerpoint/2010/main" val="51036941"/>
+      </p:ext>
+    </p:extLst>
+  </p:cSld>
+  <p:clrMapOvr>
+    <a:masterClrMapping/>
+  </p:clrMapOvr>
+</p:sld>
+</file>
+
+<file path=ppt/slides/slide21.xml><?xml version="1.0" encoding="utf-8"?>
+<p:sld xmlns:a="http://schemas.openxmlformats.org/drawingml/2006/main" xmlns:r="http://schemas.openxmlformats.org/officeDocument/2006/relationships" xmlns:p="http://schemas.openxmlformats.org/presentationml/2006/main">
+  <p:cSld>
+    <p:spTree>
+      <p:nvGrpSpPr>
+        <p:cNvPr id="1" name=""/>
+        <p:cNvGrpSpPr/>
+        <p:nvPr/>
+      </p:nvGrpSpPr>
+      <p:grpSpPr>
+        <a:xfrm>
+          <a:off x="0" y="0"/>
+          <a:ext cx="0" cy="0"/>
+          <a:chOff x="0" y="0"/>
+          <a:chExt cx="0" cy="0"/>
+        </a:xfrm>
+      </p:grpSpPr>
+      <p:sp>
+        <p:nvSpPr>
+          <p:cNvPr id="4" name="TextBox 3"/>
+          <p:cNvSpPr txBox="1"/>
+          <p:nvPr/>
+        </p:nvSpPr>
+        <p:spPr>
+          <a:xfrm>
+            <a:off x="903514" y="152400"/>
+            <a:ext cx="8610600" cy="369332"/>
+          </a:xfrm>
+          <a:prstGeom prst="rect">
+            <a:avLst/>
+          </a:prstGeom>
+          <a:noFill/>
+        </p:spPr>
+        <p:txBody>
+          <a:bodyPr wrap="square" rtlCol="0">
+            <a:spAutoFit/>
+          </a:bodyPr>
+          <a:lstStyle/>
+          <a:p>
+            <a:r>
+              <a:rPr lang="en-US" altLang="ko-KR" dirty="0"/>
+              <a:t>#9. </a:t>
+            </a:r>
+            <a:r>
+              <a:rPr lang="ko-KR" altLang="en-US" dirty="0"/>
+              <a:t>영수증 출력 </a:t>
+            </a:r>
+            <a:r>
+              <a:rPr lang="en-US" altLang="ko-KR" dirty="0"/>
+              <a:t>(</a:t>
+            </a:r>
+            <a:r>
+              <a:rPr lang="ko-KR" altLang="en-US" dirty="0" err="1"/>
+              <a:t>이마트</a:t>
+            </a:r>
+            <a:r>
+              <a:rPr lang="en-US" altLang="ko-KR" dirty="0"/>
+              <a:t>)</a:t>
+            </a:r>
+            <a:endParaRPr lang="ko-KR" altLang="en-US" dirty="0"/>
+          </a:p>
+        </p:txBody>
+      </p:sp>
+    </p:spTree>
+    <p:extLst>
+      <p:ext uri="{BB962C8B-B14F-4D97-AF65-F5344CB8AC3E}">
+        <p14:creationId xmlns:p14="http://schemas.microsoft.com/office/powerpoint/2010/main" val="3212348718"/>
+      </p:ext>
+    </p:extLst>
+  </p:cSld>
+  <p:clrMapOvr>
+    <a:masterClrMapping/>
+  </p:clrMapOvr>
+</p:sld>
+</file>
+
+<file path=ppt/slides/slide22.xml><?xml version="1.0" encoding="utf-8"?>
+<p:sld xmlns:a="http://schemas.openxmlformats.org/drawingml/2006/main" xmlns:r="http://schemas.openxmlformats.org/officeDocument/2006/relationships" xmlns:p="http://schemas.openxmlformats.org/presentationml/2006/main">
+  <p:cSld>
+    <p:spTree>
+      <p:nvGrpSpPr>
+        <p:cNvPr id="1" name=""/>
+        <p:cNvGrpSpPr/>
+        <p:nvPr/>
+      </p:nvGrpSpPr>
+      <p:grpSpPr>
+        <a:xfrm>
+          <a:off x="0" y="0"/>
+          <a:ext cx="0" cy="0"/>
+          <a:chOff x="0" y="0"/>
+          <a:chExt cx="0" cy="0"/>
+        </a:xfrm>
+      </p:grpSpPr>
+      <p:sp>
+        <p:nvSpPr>
+          <p:cNvPr id="4" name="TextBox 3"/>
+          <p:cNvSpPr txBox="1"/>
+          <p:nvPr/>
+        </p:nvSpPr>
+        <p:spPr>
+          <a:xfrm>
+            <a:off x="903514" y="152400"/>
+            <a:ext cx="8610600" cy="369332"/>
+          </a:xfrm>
+          <a:prstGeom prst="rect">
+            <a:avLst/>
+          </a:prstGeom>
+          <a:noFill/>
+        </p:spPr>
+        <p:txBody>
+          <a:bodyPr wrap="square" rtlCol="0">
+            <a:spAutoFit/>
+          </a:bodyPr>
+          <a:lstStyle/>
+          <a:p>
+            <a:r>
+              <a:rPr lang="en-US" altLang="ko-KR" dirty="0"/>
+              <a:t>#9. </a:t>
+            </a:r>
+            <a:r>
+              <a:rPr lang="ko-KR" altLang="en-US" dirty="0"/>
+              <a:t>영수증 출력 </a:t>
+            </a:r>
+            <a:r>
+              <a:rPr lang="en-US" altLang="ko-KR" dirty="0"/>
+              <a:t>(</a:t>
+            </a:r>
+            <a:r>
+              <a:rPr lang="ko-KR" altLang="en-US" dirty="0" err="1"/>
+              <a:t>이마트</a:t>
+            </a:r>
+            <a:r>
+              <a:rPr lang="en-US" altLang="ko-KR" dirty="0"/>
+              <a:t>)</a:t>
+            </a:r>
+            <a:endParaRPr lang="ko-KR" altLang="en-US" dirty="0"/>
+          </a:p>
+        </p:txBody>
+      </p:sp>
+    </p:spTree>
+    <p:extLst>
+      <p:ext uri="{BB962C8B-B14F-4D97-AF65-F5344CB8AC3E}">
+        <p14:creationId xmlns:p14="http://schemas.microsoft.com/office/powerpoint/2010/main" val="3302046513"/>
+      </p:ext>
+    </p:extLst>
+  </p:cSld>
+  <p:clrMapOvr>
+    <a:masterClrMapping/>
+  </p:clrMapOvr>
+</p:sld>
+</file>
+
+<file path=ppt/slides/slide23.xml><?xml version="1.0" encoding="utf-8"?>
+<p:sld xmlns:a="http://schemas.openxmlformats.org/drawingml/2006/main" xmlns:r="http://schemas.openxmlformats.org/officeDocument/2006/relationships" xmlns:p="http://schemas.openxmlformats.org/presentationml/2006/main">
+  <p:cSld>
+    <p:spTree>
+      <p:nvGrpSpPr>
+        <p:cNvPr id="1" name=""/>
+        <p:cNvGrpSpPr/>
+        <p:nvPr/>
+      </p:nvGrpSpPr>
+      <p:grpSpPr>
+        <a:xfrm>
+          <a:off x="0" y="0"/>
+          <a:ext cx="0" cy="0"/>
+          <a:chOff x="0" y="0"/>
+          <a:chExt cx="0" cy="0"/>
+        </a:xfrm>
+      </p:grpSpPr>
+      <p:sp>
+        <p:nvSpPr>
+          <p:cNvPr id="4" name="TextBox 3"/>
+          <p:cNvSpPr txBox="1"/>
+          <p:nvPr/>
+        </p:nvSpPr>
+        <p:spPr>
+          <a:xfrm>
+            <a:off x="903514" y="152400"/>
+            <a:ext cx="8610600" cy="369332"/>
+          </a:xfrm>
+          <a:prstGeom prst="rect">
+            <a:avLst/>
+          </a:prstGeom>
+          <a:noFill/>
+        </p:spPr>
+        <p:txBody>
+          <a:bodyPr wrap="square" rtlCol="0">
+            <a:spAutoFit/>
+          </a:bodyPr>
+          <a:lstStyle/>
+          <a:p>
+            <a:r>
+              <a:rPr lang="en-US" altLang="ko-KR" dirty="0"/>
+              <a:t>#9. </a:t>
+            </a:r>
+            <a:r>
+              <a:rPr lang="ko-KR" altLang="en-US" dirty="0"/>
+              <a:t>영수증 출력 </a:t>
+            </a:r>
+            <a:r>
+              <a:rPr lang="en-US" altLang="ko-KR" dirty="0"/>
+              <a:t>(</a:t>
+            </a:r>
+            <a:r>
+              <a:rPr lang="ko-KR" altLang="en-US" dirty="0" err="1"/>
+              <a:t>이마트</a:t>
+            </a:r>
+            <a:r>
+              <a:rPr lang="en-US" altLang="ko-KR" dirty="0"/>
+              <a:t>)</a:t>
+            </a:r>
+            <a:endParaRPr lang="ko-KR" altLang="en-US" dirty="0"/>
+          </a:p>
+        </p:txBody>
+      </p:sp>
+    </p:spTree>
+    <p:extLst>
+      <p:ext uri="{BB962C8B-B14F-4D97-AF65-F5344CB8AC3E}">
+        <p14:creationId xmlns:p14="http://schemas.microsoft.com/office/powerpoint/2010/main" val="1927697158"/>
+      </p:ext>
+    </p:extLst>
+  </p:cSld>
+  <p:clrMapOvr>
+    <a:masterClrMapping/>
+  </p:clrMapOvr>
+</p:sld>
+</file>
+
+<file path=ppt/slides/slide24.xml><?xml version="1.0" encoding="utf-8"?>
+<p:sld xmlns:a="http://schemas.openxmlformats.org/drawingml/2006/main" xmlns:r="http://schemas.openxmlformats.org/officeDocument/2006/relationships" xmlns:p="http://schemas.openxmlformats.org/presentationml/2006/main">
+  <p:cSld>
+    <p:spTree>
+      <p:nvGrpSpPr>
+        <p:cNvPr id="1" name=""/>
+        <p:cNvGrpSpPr/>
+        <p:nvPr/>
+      </p:nvGrpSpPr>
+      <p:grpSpPr>
+        <a:xfrm>
+          <a:off x="0" y="0"/>
+          <a:ext cx="0" cy="0"/>
+          <a:chOff x="0" y="0"/>
+          <a:chExt cx="0" cy="0"/>
+        </a:xfrm>
+      </p:grpSpPr>
+      <p:sp>
+        <p:nvSpPr>
+          <p:cNvPr id="4" name="TextBox 3"/>
+          <p:cNvSpPr txBox="1"/>
+          <p:nvPr/>
+        </p:nvSpPr>
+        <p:spPr>
+          <a:xfrm>
+            <a:off x="903514" y="152400"/>
+            <a:ext cx="8610600" cy="369332"/>
+          </a:xfrm>
+          <a:prstGeom prst="rect">
+            <a:avLst/>
+          </a:prstGeom>
+          <a:noFill/>
+        </p:spPr>
+        <p:txBody>
+          <a:bodyPr wrap="square" rtlCol="0">
+            <a:spAutoFit/>
+          </a:bodyPr>
+          <a:lstStyle/>
+          <a:p>
+            <a:r>
+              <a:rPr lang="en-US" altLang="ko-KR" dirty="0"/>
+              <a:t>#9. </a:t>
+            </a:r>
+            <a:r>
+              <a:rPr lang="ko-KR" altLang="en-US" dirty="0"/>
+              <a:t>영수증 출력 </a:t>
+            </a:r>
+            <a:r>
+              <a:rPr lang="en-US" altLang="ko-KR" dirty="0"/>
+              <a:t>(</a:t>
+            </a:r>
+            <a:r>
+              <a:rPr lang="ko-KR" altLang="en-US" dirty="0" err="1"/>
+              <a:t>이마트</a:t>
+            </a:r>
+            <a:r>
+              <a:rPr lang="en-US" altLang="ko-KR" dirty="0"/>
+              <a:t>)</a:t>
+            </a:r>
+            <a:endParaRPr lang="ko-KR" altLang="en-US" dirty="0"/>
+          </a:p>
+        </p:txBody>
+      </p:sp>
+    </p:spTree>
+    <p:extLst>
+      <p:ext uri="{BB962C8B-B14F-4D97-AF65-F5344CB8AC3E}">
+        <p14:creationId xmlns:p14="http://schemas.microsoft.com/office/powerpoint/2010/main" val="632404898"/>
+      </p:ext>
+    </p:extLst>
+  </p:cSld>
+  <p:clrMapOvr>
+    <a:masterClrMapping/>
+  </p:clrMapOvr>
+</p:sld>
+</file>
+
+<file path=ppt/slides/slide25.xml><?xml version="1.0" encoding="utf-8"?>
+<p:sld xmlns:a="http://schemas.openxmlformats.org/drawingml/2006/main" xmlns:r="http://schemas.openxmlformats.org/officeDocument/2006/relationships" xmlns:p="http://schemas.openxmlformats.org/presentationml/2006/main">
+  <p:cSld>
+    <p:spTree>
+      <p:nvGrpSpPr>
+        <p:cNvPr id="1" name=""/>
+        <p:cNvGrpSpPr/>
+        <p:nvPr/>
+      </p:nvGrpSpPr>
+      <p:grpSpPr>
+        <a:xfrm>
+          <a:off x="0" y="0"/>
+          <a:ext cx="0" cy="0"/>
+          <a:chOff x="0" y="0"/>
+          <a:chExt cx="0" cy="0"/>
+        </a:xfrm>
+      </p:grpSpPr>
+      <p:sp>
+        <p:nvSpPr>
+          <p:cNvPr id="4" name="TextBox 3"/>
+          <p:cNvSpPr txBox="1"/>
+          <p:nvPr/>
+        </p:nvSpPr>
+        <p:spPr>
+          <a:xfrm>
+            <a:off x="903514" y="152400"/>
+            <a:ext cx="8610600" cy="369332"/>
+          </a:xfrm>
+          <a:prstGeom prst="rect">
+            <a:avLst/>
+          </a:prstGeom>
+          <a:noFill/>
+        </p:spPr>
+        <p:txBody>
+          <a:bodyPr wrap="square" rtlCol="0">
+            <a:spAutoFit/>
+          </a:bodyPr>
+          <a:lstStyle/>
+          <a:p>
+            <a:r>
+              <a:rPr lang="en-US" altLang="ko-KR" dirty="0"/>
+              <a:t>#9. </a:t>
+            </a:r>
+            <a:r>
+              <a:rPr lang="ko-KR" altLang="en-US" dirty="0"/>
+              <a:t>영수증 출력 </a:t>
+            </a:r>
+            <a:r>
+              <a:rPr lang="en-US" altLang="ko-KR" dirty="0"/>
+              <a:t>(</a:t>
+            </a:r>
+            <a:r>
+              <a:rPr lang="ko-KR" altLang="en-US" dirty="0" err="1"/>
+              <a:t>이마트</a:t>
+            </a:r>
+            <a:r>
+              <a:rPr lang="en-US" altLang="ko-KR" dirty="0"/>
+              <a:t>)</a:t>
+            </a:r>
+            <a:endParaRPr lang="ko-KR" altLang="en-US" dirty="0"/>
+          </a:p>
+        </p:txBody>
+      </p:sp>
+    </p:spTree>
+    <p:extLst>
+      <p:ext uri="{BB962C8B-B14F-4D97-AF65-F5344CB8AC3E}">
+        <p14:creationId xmlns:p14="http://schemas.microsoft.com/office/powerpoint/2010/main" val="2101924569"/>
       </p:ext>
     </p:extLst>
   </p:cSld>
@@ -6438,44 +6972,44 @@
 </file>
 
 <file path=ppt/theme/theme1.xml><?xml version="1.0" encoding="utf-8"?>
-<a:theme xmlns:r="http://schemas.openxmlformats.org/officeDocument/2006/relationships" xmlns:c="http://schemas.openxmlformats.org/drawingml/2006/chart" xmlns:dgm="http://schemas.openxmlformats.org/drawingml/2006/diagram" xmlns:dsp="http://schemas.microsoft.com/office/drawing/2008/diagram" xmlns:a="http://schemas.openxmlformats.org/drawingml/2006/main" xmlns:pic="http://schemas.openxmlformats.org/drawingml/2006/picture" xmlns:wp="http://schemas.openxmlformats.org/drawingml/2006/wordprocessingDrawing" xmlns:xdr="http://schemas.openxmlformats.org/drawingml/2006/spreadsheetDrawing" xmlns:lc="http://schemas.openxmlformats.org/drawingml/2006/lockedCanvas" xmlns:p="http://schemas.openxmlformats.org/presentationml/2006/main" name="Crop">
+<a:theme xmlns:a="http://schemas.openxmlformats.org/drawingml/2006/main" name="Crop">
   <a:themeElements>
     <a:clrScheme name="Crop">
       <a:dk1>
         <a:sysClr val="windowText" lastClr="000000"/>
       </a:dk1>
       <a:lt1>
-        <a:sysClr val="window" lastClr="ffffff"/>
+        <a:sysClr val="window" lastClr="FFFFFF"/>
       </a:lt1>
       <a:dk2>
-        <a:srgbClr val="191b0e"/>
+        <a:srgbClr val="191B0E"/>
       </a:dk2>
       <a:lt2>
-        <a:srgbClr val="efede3"/>
+        <a:srgbClr val="EFEDE3"/>
       </a:lt2>
       <a:accent1>
-        <a:srgbClr val="8c8d86"/>
+        <a:srgbClr val="8C8D86"/>
       </a:accent1>
       <a:accent2>
-        <a:srgbClr val="e6c069"/>
+        <a:srgbClr val="E6C069"/>
       </a:accent2>
       <a:accent3>
-        <a:srgbClr val="897b61"/>
+        <a:srgbClr val="897B61"/>
       </a:accent3>
       <a:accent4>
-        <a:srgbClr val="8dab8e"/>
+        <a:srgbClr val="8DAB8E"/>
       </a:accent4>
       <a:accent5>
-        <a:srgbClr val="77a2bb"/>
+        <a:srgbClr val="77A2BB"/>
       </a:accent5>
       <a:accent6>
-        <a:srgbClr val="e28394"/>
+        <a:srgbClr val="E28394"/>
       </a:accent6>
       <a:hlink>
-        <a:srgbClr val="77a2bb"/>
+        <a:srgbClr val="77A2BB"/>
       </a:hlink>
       <a:folHlink>
-        <a:srgbClr val="957a99"/>
+        <a:srgbClr val="957A99"/>
       </a:folHlink>
     </a:clrScheme>
     <a:fontScheme name="Crop">
@@ -6685,5 +7219,7 @@
       </a:bgFillStyleLst>
     </a:fmtScheme>
   </a:themeElements>
+  <a:objectDefaults/>
+  <a:extraClrSchemeLst/>
 </a:theme>
 </file>